--- a/2_Openai_agents/2_OpenAI_Agents_API.pptx
+++ b/2_Openai_agents/2_OpenAI_Agents_API.pptx
@@ -5,7 +5,7 @@
     <p:sldMasterId id="2147483648" r:id="rId1"/>
   </p:sldMasterIdLst>
   <p:notesMasterIdLst>
-    <p:notesMasterId r:id="rId25"/>
+    <p:notesMasterId r:id="rId28"/>
   </p:notesMasterIdLst>
   <p:sldIdLst>
     <p:sldId id="461" r:id="rId2"/>
@@ -31,6 +31,9 @@
     <p:sldId id="687" r:id="rId22"/>
     <p:sldId id="688" r:id="rId23"/>
     <p:sldId id="630" r:id="rId24"/>
+    <p:sldId id="704" r:id="rId25"/>
+    <p:sldId id="705" r:id="rId26"/>
+    <p:sldId id="706" r:id="rId27"/>
   </p:sldIdLst>
   <p:sldSz cx="12192000" cy="6858000"/>
   <p:notesSz cx="6858000" cy="9144000"/>
@@ -219,7 +222,7 @@
           <a:p>
             <a:fld id="{9676B05E-5FCA-40A7-9267-101895E9507F}" type="datetimeFigureOut">
               <a:rPr lang="en-GB" smtClean="0"/>
-              <a:t>31/10/2025</a:t>
+              <a:t>08/11/2025</a:t>
             </a:fld>
             <a:endParaRPr lang="en-GB"/>
           </a:p>
@@ -720,7 +723,7 @@
           <a:p>
             <a:fld id="{D875620C-0B6E-46A5-84C2-F899A90491EE}" type="datetimeFigureOut">
               <a:rPr lang="en-GB" smtClean="0"/>
-              <a:t>31/10/2025</a:t>
+              <a:t>08/11/2025</a:t>
             </a:fld>
             <a:endParaRPr lang="en-GB"/>
           </a:p>
@@ -920,7 +923,7 @@
           <a:p>
             <a:fld id="{D875620C-0B6E-46A5-84C2-F899A90491EE}" type="datetimeFigureOut">
               <a:rPr lang="en-GB" smtClean="0"/>
-              <a:t>31/10/2025</a:t>
+              <a:t>08/11/2025</a:t>
             </a:fld>
             <a:endParaRPr lang="en-GB"/>
           </a:p>
@@ -1130,7 +1133,7 @@
           <a:p>
             <a:fld id="{D875620C-0B6E-46A5-84C2-F899A90491EE}" type="datetimeFigureOut">
               <a:rPr lang="en-GB" smtClean="0"/>
-              <a:t>31/10/2025</a:t>
+              <a:t>08/11/2025</a:t>
             </a:fld>
             <a:endParaRPr lang="en-GB"/>
           </a:p>
@@ -1330,7 +1333,7 @@
           <a:p>
             <a:fld id="{D875620C-0B6E-46A5-84C2-F899A90491EE}" type="datetimeFigureOut">
               <a:rPr lang="en-GB" smtClean="0"/>
-              <a:t>31/10/2025</a:t>
+              <a:t>08/11/2025</a:t>
             </a:fld>
             <a:endParaRPr lang="en-GB"/>
           </a:p>
@@ -1606,7 +1609,7 @@
           <a:p>
             <a:fld id="{D875620C-0B6E-46A5-84C2-F899A90491EE}" type="datetimeFigureOut">
               <a:rPr lang="en-GB" smtClean="0"/>
-              <a:t>31/10/2025</a:t>
+              <a:t>08/11/2025</a:t>
             </a:fld>
             <a:endParaRPr lang="en-GB"/>
           </a:p>
@@ -1874,7 +1877,7 @@
           <a:p>
             <a:fld id="{D875620C-0B6E-46A5-84C2-F899A90491EE}" type="datetimeFigureOut">
               <a:rPr lang="en-GB" smtClean="0"/>
-              <a:t>31/10/2025</a:t>
+              <a:t>08/11/2025</a:t>
             </a:fld>
             <a:endParaRPr lang="en-GB"/>
           </a:p>
@@ -2289,7 +2292,7 @@
           <a:p>
             <a:fld id="{D875620C-0B6E-46A5-84C2-F899A90491EE}" type="datetimeFigureOut">
               <a:rPr lang="en-GB" smtClean="0"/>
-              <a:t>31/10/2025</a:t>
+              <a:t>08/11/2025</a:t>
             </a:fld>
             <a:endParaRPr lang="en-GB"/>
           </a:p>
@@ -2431,7 +2434,7 @@
           <a:p>
             <a:fld id="{D875620C-0B6E-46A5-84C2-F899A90491EE}" type="datetimeFigureOut">
               <a:rPr lang="en-GB" smtClean="0"/>
-              <a:t>31/10/2025</a:t>
+              <a:t>08/11/2025</a:t>
             </a:fld>
             <a:endParaRPr lang="en-GB"/>
           </a:p>
@@ -2544,7 +2547,7 @@
           <a:p>
             <a:fld id="{D875620C-0B6E-46A5-84C2-F899A90491EE}" type="datetimeFigureOut">
               <a:rPr lang="en-GB" smtClean="0"/>
-              <a:t>31/10/2025</a:t>
+              <a:t>08/11/2025</a:t>
             </a:fld>
             <a:endParaRPr lang="en-GB"/>
           </a:p>
@@ -2857,7 +2860,7 @@
           <a:p>
             <a:fld id="{D875620C-0B6E-46A5-84C2-F899A90491EE}" type="datetimeFigureOut">
               <a:rPr lang="en-GB" smtClean="0"/>
-              <a:t>31/10/2025</a:t>
+              <a:t>08/11/2025</a:t>
             </a:fld>
             <a:endParaRPr lang="en-GB"/>
           </a:p>
@@ -3146,7 +3149,7 @@
           <a:p>
             <a:fld id="{D875620C-0B6E-46A5-84C2-F899A90491EE}" type="datetimeFigureOut">
               <a:rPr lang="en-GB" smtClean="0"/>
-              <a:t>31/10/2025</a:t>
+              <a:t>08/11/2025</a:t>
             </a:fld>
             <a:endParaRPr lang="en-GB"/>
           </a:p>
@@ -3389,7 +3392,7 @@
           <a:p>
             <a:fld id="{D875620C-0B6E-46A5-84C2-F899A90491EE}" type="datetimeFigureOut">
               <a:rPr lang="en-GB" smtClean="0"/>
-              <a:t>31/10/2025</a:t>
+              <a:t>08/11/2025</a:t>
             </a:fld>
             <a:endParaRPr lang="en-GB"/>
           </a:p>
@@ -3948,7 +3951,7 @@
             <a:pPr lvl="1"/>
             <a:r>
               <a:rPr lang="en-GB" dirty="0"/>
-              <a:t>2_8_openai_agent.py</a:t>
+              <a:t>2_8_openai_agent_sync.py</a:t>
             </a:r>
           </a:p>
           <a:p>
@@ -3961,7 +3964,7 @@
             <a:pPr lvl="1"/>
             <a:r>
               <a:rPr lang="en-GB" dirty="0"/>
-              <a:t>2_9_openai_agent.py</a:t>
+              <a:t>2_9_openai_agent_async.py</a:t>
             </a:r>
             <a:endParaRPr lang="en-IN" dirty="0"/>
           </a:p>
@@ -4031,10 +4034,6 @@
           </a:bodyPr>
           <a:lstStyle/>
           <a:p>
-            <a:r>
-              <a:rPr lang="en-IN" dirty="0"/>
-              <a:t>Creating a Useful Agent</a:t>
-            </a:r>
             <a:endParaRPr lang="en-GB" dirty="0"/>
           </a:p>
         </p:txBody>
@@ -4079,8 +4078,8 @@
           <p:nvPr/>
         </p:nvGraphicFramePr>
         <p:xfrm>
-          <a:off x="272226" y="823658"/>
-          <a:ext cx="11328783" cy="5826760"/>
+          <a:off x="342028" y="251286"/>
+          <a:ext cx="11698736" cy="5857240"/>
         </p:xfrm>
         <a:graphic>
           <a:graphicData uri="http://schemas.openxmlformats.org/drawingml/2006/table">
@@ -4089,42 +4088,42 @@
                 <a:tableStyleId>{21E4AEA4-8DFA-4A89-87EB-49C32662AFE0}</a:tableStyleId>
               </a:tblPr>
               <a:tblGrid>
-                <a:gridCol w="790345">
+                <a:gridCol w="383908">
                   <a:extLst>
                     <a:ext uri="{9D8B030D-6E8A-4147-A177-3AD203B41FA5}">
                       <a16:colId xmlns:a16="http://schemas.microsoft.com/office/drawing/2014/main" val="4114190081"/>
                     </a:ext>
                   </a:extLst>
                 </a:gridCol>
-                <a:gridCol w="2297863">
+                <a:gridCol w="2408153">
                   <a:extLst>
                     <a:ext uri="{9D8B030D-6E8A-4147-A177-3AD203B41FA5}">
                       <a16:colId xmlns:a16="http://schemas.microsoft.com/office/drawing/2014/main" val="448936344"/>
                     </a:ext>
                   </a:extLst>
                 </a:gridCol>
-                <a:gridCol w="2297863">
+                <a:gridCol w="2366272">
                   <a:extLst>
                     <a:ext uri="{9D8B030D-6E8A-4147-A177-3AD203B41FA5}">
                       <a16:colId xmlns:a16="http://schemas.microsoft.com/office/drawing/2014/main" val="968096629"/>
                     </a:ext>
                   </a:extLst>
                 </a:gridCol>
-                <a:gridCol w="1852925">
+                <a:gridCol w="2052165">
                   <a:extLst>
                     <a:ext uri="{9D8B030D-6E8A-4147-A177-3AD203B41FA5}">
                       <a16:colId xmlns:a16="http://schemas.microsoft.com/office/drawing/2014/main" val="2007595872"/>
                     </a:ext>
                   </a:extLst>
                 </a:gridCol>
-                <a:gridCol w="1925261">
+                <a:gridCol w="1849740">
                   <a:extLst>
                     <a:ext uri="{9D8B030D-6E8A-4147-A177-3AD203B41FA5}">
                       <a16:colId xmlns:a16="http://schemas.microsoft.com/office/drawing/2014/main" val="1187256254"/>
                     </a:ext>
                   </a:extLst>
                 </a:gridCol>
-                <a:gridCol w="2164526">
+                <a:gridCol w="2638498">
                   <a:extLst>
                     <a:ext uri="{9D8B030D-6E8A-4147-A177-3AD203B41FA5}">
                       <a16:colId xmlns:a16="http://schemas.microsoft.com/office/drawing/2014/main" val="2615636929"/>
@@ -4139,10 +4138,10 @@
                     <a:lstStyle/>
                     <a:p>
                       <a:r>
-                        <a:rPr lang="en-IN" sz="1400" dirty="0"/>
-                        <a:t>Version</a:t>
-                      </a:r>
-                      <a:endParaRPr lang="en-GB" sz="1400" dirty="0"/>
+                        <a:rPr lang="en-IN" sz="1200" dirty="0"/>
+                        <a:t>#</a:t>
+                      </a:r>
+                      <a:endParaRPr lang="en-GB" sz="1200" dirty="0"/>
                     </a:p>
                   </a:txBody>
                   <a:tcPr/>
@@ -4153,10 +4152,10 @@
                     <a:lstStyle/>
                     <a:p>
                       <a:r>
-                        <a:rPr lang="en-IN" sz="1400" dirty="0"/>
+                        <a:rPr lang="en-IN" sz="1200" dirty="0"/>
                         <a:t>Task</a:t>
                       </a:r>
-                      <a:endParaRPr lang="en-GB" sz="1400" dirty="0"/>
+                      <a:endParaRPr lang="en-GB" sz="1200" dirty="0"/>
                     </a:p>
                   </a:txBody>
                   <a:tcPr/>
@@ -4167,10 +4166,10 @@
                     <a:lstStyle/>
                     <a:p>
                       <a:r>
-                        <a:rPr lang="en-IN" sz="1400" dirty="0"/>
+                        <a:rPr lang="en-IN" sz="1200" dirty="0"/>
                         <a:t>Design Pattern</a:t>
                       </a:r>
-                      <a:endParaRPr lang="en-GB" sz="1400" dirty="0"/>
+                      <a:endParaRPr lang="en-GB" sz="1200" dirty="0"/>
                     </a:p>
                   </a:txBody>
                   <a:tcPr/>
@@ -4181,10 +4180,10 @@
                     <a:lstStyle/>
                     <a:p>
                       <a:r>
-                        <a:rPr lang="en-IN" sz="1400" dirty="0"/>
+                        <a:rPr lang="en-IN" sz="1200" dirty="0"/>
                         <a:t>Features</a:t>
                       </a:r>
-                      <a:endParaRPr lang="en-GB" sz="1400" dirty="0"/>
+                      <a:endParaRPr lang="en-GB" sz="1200" dirty="0"/>
                     </a:p>
                   </a:txBody>
                   <a:tcPr/>
@@ -4195,10 +4194,10 @@
                     <a:lstStyle/>
                     <a:p>
                       <a:r>
-                        <a:rPr lang="en-IN" sz="1400" dirty="0"/>
+                        <a:rPr lang="en-IN" sz="1200" dirty="0"/>
                         <a:t>Improvements still to be done</a:t>
                       </a:r>
-                      <a:endParaRPr lang="en-GB" sz="1400" dirty="0"/>
+                      <a:endParaRPr lang="en-GB" sz="1200" dirty="0"/>
                     </a:p>
                   </a:txBody>
                   <a:tcPr/>
@@ -4209,10 +4208,10 @@
                     <a:lstStyle/>
                     <a:p>
                       <a:r>
-                        <a:rPr lang="en-IN" sz="1400" dirty="0"/>
+                        <a:rPr lang="en-IN" sz="1200" dirty="0"/>
                         <a:t>Code</a:t>
                       </a:r>
-                      <a:endParaRPr lang="en-GB" sz="1400" dirty="0"/>
+                      <a:endParaRPr lang="en-GB" sz="1200" dirty="0"/>
                     </a:p>
                   </a:txBody>
                   <a:tcPr/>
@@ -4230,10 +4229,10 @@
                     <a:lstStyle/>
                     <a:p>
                       <a:r>
-                        <a:rPr lang="en-IN" sz="1400" dirty="0"/>
+                        <a:rPr lang="en-IN" sz="1200" dirty="0"/>
                         <a:t>1</a:t>
                       </a:r>
-                      <a:endParaRPr lang="en-GB" sz="1400" dirty="0"/>
+                      <a:endParaRPr lang="en-GB" sz="1200" dirty="0"/>
                     </a:p>
                   </a:txBody>
                   <a:tcPr/>
@@ -4244,10 +4243,10 @@
                     <a:lstStyle/>
                     <a:p>
                       <a:r>
-                        <a:rPr lang="en-US" sz="1400" dirty="0"/>
+                        <a:rPr lang="en-US" sz="1200" dirty="0"/>
                         <a:t>A customer support bot that answers FAQs using a knowledge base and function calling</a:t>
                       </a:r>
-                      <a:endParaRPr lang="en-GB" sz="1400" dirty="0"/>
+                      <a:endParaRPr lang="en-GB" sz="1200" dirty="0"/>
                     </a:p>
                   </a:txBody>
                   <a:tcPr/>
@@ -4258,10 +4257,10 @@
                     <a:lstStyle/>
                     <a:p>
                       <a:r>
-                        <a:rPr lang="en-IN" sz="1400" dirty="0"/>
+                        <a:rPr lang="en-IN" sz="1200" dirty="0"/>
                         <a:t>Information Retrieval Pattern: Pull an answer directly from a predefined source</a:t>
                       </a:r>
-                      <a:endParaRPr lang="en-GB" sz="1400" dirty="0"/>
+                      <a:endParaRPr lang="en-GB" sz="1200" dirty="0"/>
                     </a:p>
                   </a:txBody>
                   <a:tcPr/>
@@ -4272,33 +4271,10 @@
                     <a:lstStyle/>
                     <a:p>
                       <a:r>
-                        <a:rPr lang="en-IN" sz="1400" dirty="0"/>
+                        <a:rPr lang="en-IN" sz="1200" dirty="0"/>
                         <a:t>Function (Tool) calling*</a:t>
                       </a:r>
                     </a:p>
-                    <a:p>
-                      <a:r>
-                        <a:rPr lang="en-IN" sz="1400" dirty="0"/>
-                        <a:t>Tracing added (See </a:t>
-                      </a:r>
-                      <a:r>
-                        <a:rPr lang="en-IN" sz="1400" dirty="0">
-                          <a:hlinkClick r:id="rId2"/>
-                        </a:rPr>
-                        <a:t>https://platform.openai.com/logs?api=traces</a:t>
-                      </a:r>
-                      <a:r>
-                        <a:rPr lang="en-IN" sz="1400" dirty="0"/>
-                        <a:t> after running the code)</a:t>
-                      </a:r>
-                    </a:p>
-                    <a:p>
-                      <a:r>
-                        <a:rPr lang="en-IN" sz="1400" dirty="0"/>
-                        <a:t>Streaming added</a:t>
-                      </a:r>
-                      <a:endParaRPr lang="en-GB" sz="1400" dirty="0"/>
-                    </a:p>
                   </a:txBody>
                   <a:tcPr/>
                 </a:tc>
@@ -4308,10 +4284,10 @@
                     <a:lstStyle/>
                     <a:p>
                       <a:r>
-                        <a:rPr lang="en-IN" sz="1400" dirty="0"/>
+                        <a:rPr lang="en-IN" sz="1200" dirty="0"/>
                         <a:t>Knowledgebase is hardcoded, Customer queries are searched on keywords, UI is not good</a:t>
                       </a:r>
-                      <a:endParaRPr lang="en-GB" sz="1400" dirty="0"/>
+                      <a:endParaRPr lang="en-GB" sz="1200" dirty="0"/>
                     </a:p>
                   </a:txBody>
                   <a:tcPr/>
@@ -4322,10 +4298,10 @@
                     <a:lstStyle/>
                     <a:p>
                       <a:r>
-                        <a:rPr lang="en-US" sz="1400" dirty="0"/>
-                        <a:t>2_2_openai_agent.py</a:t>
-                      </a:r>
-                      <a:endParaRPr lang="en-GB" sz="1400" dirty="0"/>
+                        <a:rPr lang="en-US" sz="1200" dirty="0"/>
+                        <a:t>2_2_openai_agent_tool_hardcoded_knowledge.py</a:t>
+                      </a:r>
+                      <a:endParaRPr lang="en-GB" sz="1200" dirty="0"/>
                     </a:p>
                   </a:txBody>
                   <a:tcPr/>
@@ -4343,10 +4319,10 @@
                     <a:lstStyle/>
                     <a:p>
                       <a:r>
-                        <a:rPr lang="en-IN" sz="1400" dirty="0"/>
+                        <a:rPr lang="en-IN" sz="1200" dirty="0"/>
                         <a:t>2</a:t>
                       </a:r>
-                      <a:endParaRPr lang="en-GB" sz="1400" dirty="0"/>
+                      <a:endParaRPr lang="en-GB" sz="1200" dirty="0"/>
                     </a:p>
                   </a:txBody>
                   <a:tcPr/>
@@ -4357,10 +4333,10 @@
                     <a:lstStyle/>
                     <a:p>
                       <a:r>
-                        <a:rPr lang="en-IN" sz="1400" dirty="0"/>
+                        <a:rPr lang="en-IN" sz="1200" dirty="0"/>
                         <a:t>Do not search the customer query based on keywords, but perform semantic search</a:t>
                       </a:r>
-                      <a:endParaRPr lang="en-GB" sz="1400" dirty="0"/>
+                      <a:endParaRPr lang="en-GB" sz="1200" dirty="0"/>
                     </a:p>
                   </a:txBody>
                   <a:tcPr/>
@@ -4371,10 +4347,10 @@
                     <a:lstStyle/>
                     <a:p>
                       <a:r>
-                        <a:rPr lang="en-IN" sz="1400" dirty="0"/>
+                        <a:rPr lang="en-IN" sz="1200" dirty="0"/>
                         <a:t>Semantic Search Pattern: Understand meaning behind the user’s query, not just keywords</a:t>
                       </a:r>
-                      <a:endParaRPr lang="en-GB" sz="1400" dirty="0"/>
+                      <a:endParaRPr lang="en-GB" sz="1200" dirty="0"/>
                     </a:p>
                   </a:txBody>
                   <a:tcPr/>
@@ -4385,10 +4361,10 @@
                     <a:lstStyle/>
                     <a:p>
                       <a:r>
-                        <a:rPr lang="en-IN" sz="1400" dirty="0"/>
+                        <a:rPr lang="en-IN" sz="1200" dirty="0"/>
                         <a:t>Compute embeddings for knowledge base and compare with embeddings for customer query*</a:t>
                       </a:r>
-                      <a:endParaRPr lang="en-GB" sz="1400" dirty="0"/>
+                      <a:endParaRPr lang="en-GB" sz="1200" dirty="0"/>
                     </a:p>
                   </a:txBody>
                   <a:tcPr/>
@@ -4399,10 +4375,10 @@
                     <a:lstStyle/>
                     <a:p>
                       <a:r>
-                        <a:rPr lang="en-IN" sz="1400" dirty="0"/>
+                        <a:rPr lang="en-IN" sz="1200" dirty="0"/>
                         <a:t>Knowledgebase is hardcoded, UI is not good</a:t>
                       </a:r>
-                      <a:endParaRPr lang="en-GB" sz="1400" dirty="0"/>
+                      <a:endParaRPr lang="en-GB" sz="1200" dirty="0"/>
                     </a:p>
                   </a:txBody>
                   <a:tcPr/>
@@ -4413,13 +4389,13 @@
                     <a:lstStyle/>
                     <a:p>
                       <a:r>
-                        <a:rPr lang="en-US" sz="1400" dirty="0"/>
-                        <a:t>2_3_openai_agent.py</a:t>
-                      </a:r>
-                      <a:endParaRPr lang="en-GB" sz="1400" dirty="0"/>
-                    </a:p>
-                    <a:p>
-                      <a:endParaRPr lang="en-GB" sz="1400" dirty="0"/>
+                        <a:rPr lang="en-US" sz="1200" dirty="0"/>
+                        <a:t>2_3_openai_agent_hardcoded_semantic.py</a:t>
+                      </a:r>
+                      <a:endParaRPr lang="en-GB" sz="1200" dirty="0"/>
+                    </a:p>
+                    <a:p>
+                      <a:endParaRPr lang="en-GB" sz="1200" dirty="0"/>
                     </a:p>
                   </a:txBody>
                   <a:tcPr/>
@@ -4437,10 +4413,10 @@
                     <a:lstStyle/>
                     <a:p>
                       <a:r>
-                        <a:rPr lang="en-IN" sz="1400" dirty="0"/>
+                        <a:rPr lang="en-IN" sz="1200" dirty="0"/>
                         <a:t>3</a:t>
                       </a:r>
-                      <a:endParaRPr lang="en-GB" sz="1400" dirty="0"/>
+                      <a:endParaRPr lang="en-GB" sz="1200" dirty="0"/>
                     </a:p>
                   </a:txBody>
                   <a:tcPr/>
@@ -4451,10 +4427,10 @@
                     <a:lstStyle/>
                     <a:p>
                       <a:r>
-                        <a:rPr lang="en-IN" sz="1400" dirty="0"/>
-                        <a:t>Get the knowledgebase from a database</a:t>
-                      </a:r>
-                      <a:endParaRPr lang="en-GB" sz="1400" dirty="0"/>
+                        <a:rPr lang="en-IN" sz="1200" dirty="0"/>
+                        <a:t>Use OpenAI’s Vector store</a:t>
+                      </a:r>
+                      <a:endParaRPr lang="en-GB" sz="1200" dirty="0"/>
                     </a:p>
                   </a:txBody>
                   <a:tcPr/>
@@ -4465,10 +4441,10 @@
                     <a:lstStyle/>
                     <a:p>
                       <a:r>
-                        <a:rPr lang="en-IN" sz="1400" dirty="0"/>
-                        <a:t>Database Integration Pattern: Access and query external data sources</a:t>
-                      </a:r>
-                      <a:endParaRPr lang="en-GB" sz="1400" dirty="0"/>
+                        <a:rPr lang="en-IN" sz="1200" dirty="0"/>
+                        <a:t>RAG without we coding for it</a:t>
+                      </a:r>
+                      <a:endParaRPr lang="en-GB" sz="1200" dirty="0"/>
                     </a:p>
                   </a:txBody>
                   <a:tcPr/>
@@ -4479,10 +4455,10 @@
                     <a:lstStyle/>
                     <a:p>
                       <a:r>
-                        <a:rPr lang="en-IN" sz="1400" dirty="0"/>
-                        <a:t>Knowledgebase hardcoding replaced by database items</a:t>
-                      </a:r>
-                      <a:endParaRPr lang="en-GB" sz="1400" dirty="0"/>
+                        <a:rPr lang="en-IN" sz="1200" dirty="0"/>
+                        <a:t>OpenAI provides a vector store – Upload our data there and use it</a:t>
+                      </a:r>
+                      <a:endParaRPr lang="en-GB" sz="1200" dirty="0"/>
                     </a:p>
                   </a:txBody>
                   <a:tcPr/>
@@ -4493,10 +4469,14 @@
                     <a:lstStyle/>
                     <a:p>
                       <a:r>
-                        <a:rPr lang="en-IN" sz="1400" dirty="0"/>
-                        <a:t>UI is not good</a:t>
-                      </a:r>
-                      <a:endParaRPr lang="en-GB" sz="1400" dirty="0"/>
+                        <a:rPr lang="en-IN" sz="1200" dirty="0"/>
+                        <a:t>Create our own vector store to reduce </a:t>
+                      </a:r>
+                      <a:r>
+                        <a:rPr lang="en-IN" sz="1200" dirty="0" err="1"/>
+                        <a:t>sosts</a:t>
+                      </a:r>
+                      <a:endParaRPr lang="en-GB" sz="1200" dirty="0"/>
                     </a:p>
                   </a:txBody>
                   <a:tcPr/>
@@ -4524,11 +4504,103 @@
                         <a:defRPr/>
                       </a:pPr>
                       <a:r>
-                        <a:rPr lang="en-US" sz="1400" dirty="0"/>
-                        <a:t>First run 2_4_openai_agent.py</a:t>
-                      </a:r>
-                      <a:endParaRPr lang="en-GB" sz="1400" dirty="0"/>
-                    </a:p>
+                        <a:rPr lang="en-US" sz="1200" dirty="0"/>
+                        <a:t>2_4_openai_agent_openai_vectorstore.py</a:t>
+                      </a:r>
+                      <a:endParaRPr lang="en-GB" sz="1200" dirty="0"/>
+                    </a:p>
+                  </a:txBody>
+                  <a:tcPr/>
+                </a:tc>
+                <a:extLst>
+                  <a:ext uri="{0D108BD9-81ED-4DB2-BD59-A6C34878D82A}">
+                    <a16:rowId xmlns:a16="http://schemas.microsoft.com/office/drawing/2014/main" val="2388651522"/>
+                  </a:ext>
+                </a:extLst>
+              </a:tr>
+              <a:tr h="370840">
+                <a:tc>
+                  <a:txBody>
+                    <a:bodyPr/>
+                    <a:lstStyle/>
+                    <a:p>
+                      <a:r>
+                        <a:rPr lang="en-IN" sz="1200" dirty="0"/>
+                        <a:t>4</a:t>
+                      </a:r>
+                      <a:endParaRPr lang="en-GB" sz="1200" dirty="0"/>
+                    </a:p>
+                  </a:txBody>
+                  <a:tcPr/>
+                </a:tc>
+                <a:tc>
+                  <a:txBody>
+                    <a:bodyPr/>
+                    <a:lstStyle/>
+                    <a:p>
+                      <a:r>
+                        <a:rPr lang="en-IN" sz="1200" dirty="0"/>
+                        <a:t>Store our FAQs in </a:t>
+                      </a:r>
+                      <a:r>
+                        <a:rPr lang="en-IN" sz="1200" dirty="0" err="1"/>
+                        <a:t>Sqllite</a:t>
+                      </a:r>
+                      <a:r>
+                        <a:rPr lang="en-IN" sz="1200" dirty="0"/>
+                        <a:t> DB and then vectorize them and use them</a:t>
+                      </a:r>
+                      <a:endParaRPr lang="en-GB" sz="1200" dirty="0"/>
+                    </a:p>
+                  </a:txBody>
+                  <a:tcPr/>
+                </a:tc>
+                <a:tc>
+                  <a:txBody>
+                    <a:bodyPr/>
+                    <a:lstStyle/>
+                    <a:p>
+                      <a:r>
+                        <a:rPr lang="en-IN" sz="1200" dirty="0"/>
+                        <a:t>RAG – Basic</a:t>
+                      </a:r>
+                      <a:endParaRPr lang="en-GB" sz="1200" dirty="0"/>
+                    </a:p>
+                  </a:txBody>
+                  <a:tcPr/>
+                </a:tc>
+                <a:tc>
+                  <a:txBody>
+                    <a:bodyPr/>
+                    <a:lstStyle/>
+                    <a:p>
+                      <a:r>
+                        <a:rPr lang="en-IN" sz="1200" dirty="0"/>
+                        <a:t>We create our own vectorized database, but limited in size</a:t>
+                      </a:r>
+                      <a:endParaRPr lang="en-GB" sz="1200" dirty="0"/>
+                    </a:p>
+                  </a:txBody>
+                  <a:tcPr/>
+                </a:tc>
+                <a:tc>
+                  <a:txBody>
+                    <a:bodyPr/>
+                    <a:lstStyle/>
+                    <a:p>
+                      <a:r>
+                        <a:rPr lang="en-IN" sz="1200" dirty="0"/>
+                        <a:t>Use real data</a:t>
+                      </a:r>
+                      <a:endParaRPr lang="en-GB" sz="1200" dirty="0"/>
+                    </a:p>
+                  </a:txBody>
+                  <a:tcPr/>
+                </a:tc>
+                <a:tc>
+                  <a:txBody>
+                    <a:bodyPr/>
+                    <a:lstStyle/>
                     <a:p>
                       <a:pPr marL="0" marR="0" lvl="0" indent="0" algn="l" defTabSz="914400" rtl="0" eaLnBrk="1" fontAlgn="auto" latinLnBrk="0" hangingPunct="1">
                         <a:lnSpc>
@@ -4548,17 +4620,17 @@
                         <a:defRPr/>
                       </a:pPr>
                       <a:r>
-                        <a:rPr lang="en-US" sz="1400" dirty="0"/>
-                        <a:t>and then 2_5_openai_agent.py</a:t>
-                      </a:r>
-                      <a:endParaRPr lang="en-GB" sz="1400" dirty="0"/>
+                        <a:rPr lang="en-US" sz="1200" dirty="0"/>
+                        <a:t>First run 2_openai_agent_create_faq_db.py and then 2_5_openai_agent_faq_db_vectorized.py</a:t>
+                      </a:r>
+                      <a:endParaRPr lang="en-GB" sz="1200" dirty="0"/>
                     </a:p>
                   </a:txBody>
                   <a:tcPr/>
                 </a:tc>
                 <a:extLst>
                   <a:ext uri="{0D108BD9-81ED-4DB2-BD59-A6C34878D82A}">
-                    <a16:rowId xmlns:a16="http://schemas.microsoft.com/office/drawing/2014/main" val="2388651522"/>
+                    <a16:rowId xmlns:a16="http://schemas.microsoft.com/office/drawing/2014/main" val="3870111086"/>
                   </a:ext>
                 </a:extLst>
               </a:tr>
@@ -4569,10 +4641,10 @@
                     <a:lstStyle/>
                     <a:p>
                       <a:r>
-                        <a:rPr lang="en-IN" sz="1400" dirty="0"/>
+                        <a:rPr lang="en-IN" sz="1200" dirty="0"/>
                         <a:t>4</a:t>
                       </a:r>
-                      <a:endParaRPr lang="en-GB" sz="1400" dirty="0"/>
+                      <a:endParaRPr lang="en-GB" sz="1200" dirty="0"/>
                     </a:p>
                   </a:txBody>
                   <a:tcPr/>
@@ -4583,10 +4655,10 @@
                     <a:lstStyle/>
                     <a:p>
                       <a:r>
-                        <a:rPr lang="en-IN" sz="1400" dirty="0"/>
+                        <a:rPr lang="en-IN" sz="1200" dirty="0"/>
                         <a:t>Make it like a chatbot</a:t>
                       </a:r>
-                      <a:endParaRPr lang="en-GB" sz="1400" dirty="0"/>
+                      <a:endParaRPr lang="en-GB" sz="1200" dirty="0"/>
                     </a:p>
                   </a:txBody>
                   <a:tcPr/>
@@ -4597,10 +4669,10 @@
                     <a:lstStyle/>
                     <a:p>
                       <a:r>
-                        <a:rPr lang="en-IN" sz="1400" dirty="0"/>
+                        <a:rPr lang="en-IN" sz="1200" dirty="0"/>
                         <a:t>Not a pattern, but separating the UI</a:t>
                       </a:r>
-                      <a:endParaRPr lang="en-GB" sz="1400" dirty="0"/>
+                      <a:endParaRPr lang="en-GB" sz="1200" dirty="0"/>
                     </a:p>
                   </a:txBody>
                   <a:tcPr/>
@@ -4611,14 +4683,14 @@
                     <a:lstStyle/>
                     <a:p>
                       <a:r>
-                        <a:rPr lang="en-IN" sz="1400" dirty="0"/>
+                        <a:rPr lang="en-IN" sz="1200" dirty="0"/>
                         <a:t>Added </a:t>
                       </a:r>
                       <a:r>
-                        <a:rPr lang="en-IN" sz="1400" dirty="0" err="1"/>
+                        <a:rPr lang="en-IN" sz="1200" dirty="0" err="1"/>
                         <a:t>Gradio</a:t>
                       </a:r>
-                      <a:endParaRPr lang="en-GB" sz="1400" dirty="0"/>
+                      <a:endParaRPr lang="en-GB" sz="1200" dirty="0"/>
                     </a:p>
                   </a:txBody>
                   <a:tcPr/>
@@ -4629,10 +4701,10 @@
                     <a:lstStyle/>
                     <a:p>
                       <a:r>
-                        <a:rPr lang="en-IN" sz="1400" dirty="0"/>
+                        <a:rPr lang="en-IN" sz="1200" dirty="0"/>
                         <a:t>Make it RAG</a:t>
                       </a:r>
-                      <a:endParaRPr lang="en-GB" sz="1400" dirty="0"/>
+                      <a:endParaRPr lang="en-GB" sz="1200" dirty="0"/>
                     </a:p>
                   </a:txBody>
                   <a:tcPr/>
@@ -4643,10 +4715,10 @@
                     <a:lstStyle/>
                     <a:p>
                       <a:r>
-                        <a:rPr lang="en-US" sz="1400" dirty="0"/>
-                        <a:t>2_6_openai_agent.py</a:t>
-                      </a:r>
-                      <a:endParaRPr lang="en-GB" sz="1400" dirty="0"/>
+                        <a:rPr lang="en-US" sz="1200" dirty="0"/>
+                        <a:t>2_6_openai_agent_rag.py</a:t>
+                      </a:r>
+                      <a:endParaRPr lang="en-GB" sz="1200" dirty="0"/>
                     </a:p>
                   </a:txBody>
                   <a:tcPr/>
@@ -4664,10 +4736,10 @@
                     <a:lstStyle/>
                     <a:p>
                       <a:r>
-                        <a:rPr lang="en-IN" sz="1400" dirty="0"/>
+                        <a:rPr lang="en-IN" sz="1200" dirty="0"/>
                         <a:t>5</a:t>
                       </a:r>
-                      <a:endParaRPr lang="en-GB" sz="1400" dirty="0"/>
+                      <a:endParaRPr lang="en-GB" sz="1200" dirty="0"/>
                     </a:p>
                   </a:txBody>
                   <a:tcPr/>
@@ -4678,10 +4750,10 @@
                     <a:lstStyle/>
                     <a:p>
                       <a:r>
-                        <a:rPr lang="en-IN" sz="1400" dirty="0"/>
+                        <a:rPr lang="en-IN" sz="1200" dirty="0"/>
                         <a:t>Add RAG Functionality</a:t>
                       </a:r>
-                      <a:endParaRPr lang="en-GB" sz="1400" dirty="0"/>
+                      <a:endParaRPr lang="en-GB" sz="1200" dirty="0"/>
                     </a:p>
                   </a:txBody>
                   <a:tcPr/>
@@ -4692,10 +4764,10 @@
                     <a:lstStyle/>
                     <a:p>
                       <a:r>
-                        <a:rPr lang="en-IN" sz="1400" dirty="0"/>
-                        <a:t>RAG</a:t>
-                      </a:r>
-                      <a:endParaRPr lang="en-GB" sz="1400" dirty="0"/>
+                        <a:rPr lang="en-IN" sz="1200" dirty="0"/>
+                        <a:t>RAG (New India Assurance)</a:t>
+                      </a:r>
+                      <a:endParaRPr lang="en-GB" sz="1200" dirty="0"/>
                     </a:p>
                   </a:txBody>
                   <a:tcPr/>
@@ -4706,10 +4778,10 @@
                     <a:lstStyle/>
                     <a:p>
                       <a:r>
-                        <a:rPr lang="en-IN" sz="1400" dirty="0"/>
+                        <a:rPr lang="en-IN" sz="1200" dirty="0"/>
                         <a:t>Added RAG*</a:t>
                       </a:r>
-                      <a:endParaRPr lang="en-GB" sz="1400" dirty="0"/>
+                      <a:endParaRPr lang="en-GB" sz="1200" dirty="0"/>
                     </a:p>
                   </a:txBody>
                   <a:tcPr/>
@@ -4720,10 +4792,10 @@
                     <a:lstStyle/>
                     <a:p>
                       <a:r>
-                        <a:rPr lang="en-IN" sz="1400" dirty="0"/>
+                        <a:rPr lang="en-IN" sz="1200" dirty="0"/>
                         <a:t>None</a:t>
                       </a:r>
-                      <a:endParaRPr lang="en-GB" sz="1400" dirty="0"/>
+                      <a:endParaRPr lang="en-GB" sz="1200" dirty="0"/>
                     </a:p>
                   </a:txBody>
                   <a:tcPr/>
@@ -4751,10 +4823,10 @@
                         <a:defRPr/>
                       </a:pPr>
                       <a:r>
-                        <a:rPr lang="en-US" sz="1400" dirty="0"/>
-                        <a:t>2_7_openai_agent.py</a:t>
-                      </a:r>
-                      <a:endParaRPr lang="en-GB" sz="1400" dirty="0"/>
+                        <a:rPr lang="en-US" sz="1200" dirty="0"/>
+                        <a:t>2_7_openai_agent_new_india.py</a:t>
+                      </a:r>
+                      <a:endParaRPr lang="en-GB" sz="1200" dirty="0"/>
                     </a:p>
                   </a:txBody>
                   <a:tcPr/>
@@ -4772,10 +4844,10 @@
                     <a:lstStyle/>
                     <a:p>
                       <a:r>
-                        <a:rPr lang="en-IN" sz="1400" dirty="0"/>
+                        <a:rPr lang="en-IN" sz="1200" dirty="0"/>
                         <a:t>6</a:t>
                       </a:r>
-                      <a:endParaRPr lang="en-GB" sz="1400" dirty="0"/>
+                      <a:endParaRPr lang="en-GB" sz="1200" dirty="0"/>
                     </a:p>
                   </a:txBody>
                   <a:tcPr/>
@@ -4786,10 +4858,10 @@
                     <a:lstStyle/>
                     <a:p>
                       <a:r>
-                        <a:rPr lang="en-IN" sz="1400" dirty="0"/>
-                        <a:t>Customer Service Agent*</a:t>
-                      </a:r>
-                      <a:endParaRPr lang="en-GB" sz="1400" dirty="0"/>
+                        <a:rPr lang="en-IN" sz="1200" dirty="0"/>
+                        <a:t>Customer Service Agent using Memory*</a:t>
+                      </a:r>
+                      <a:endParaRPr lang="en-GB" sz="1200" dirty="0"/>
                     </a:p>
                   </a:txBody>
                   <a:tcPr/>
@@ -4800,10 +4872,10 @@
                     <a:lstStyle/>
                     <a:p>
                       <a:r>
-                        <a:rPr lang="en-IN" sz="1400" dirty="0"/>
+                        <a:rPr lang="en-IN" sz="1200" dirty="0"/>
                         <a:t>Long and Short Term Memory</a:t>
                       </a:r>
-                      <a:endParaRPr lang="en-GB" sz="1400" dirty="0"/>
+                      <a:endParaRPr lang="en-GB" sz="1200" dirty="0"/>
                     </a:p>
                   </a:txBody>
                   <a:tcPr/>
@@ -4814,10 +4886,10 @@
                     <a:lstStyle/>
                     <a:p>
                       <a:r>
-                        <a:rPr lang="en-IN" sz="1400" dirty="0"/>
+                        <a:rPr lang="en-IN" sz="1200" dirty="0"/>
                         <a:t>Different example</a:t>
                       </a:r>
-                      <a:endParaRPr lang="en-GB" sz="1400" dirty="0"/>
+                      <a:endParaRPr lang="en-GB" sz="1200" dirty="0"/>
                     </a:p>
                   </a:txBody>
                   <a:tcPr/>
@@ -4828,10 +4900,10 @@
                     <a:lstStyle/>
                     <a:p>
                       <a:r>
-                        <a:rPr lang="en-IN" sz="1400" dirty="0"/>
+                        <a:rPr lang="en-IN" sz="1200" dirty="0"/>
                         <a:t>NA</a:t>
                       </a:r>
-                      <a:endParaRPr lang="en-GB" sz="1400" dirty="0"/>
+                      <a:endParaRPr lang="en-GB" sz="1200" dirty="0"/>
                     </a:p>
                   </a:txBody>
                   <a:tcPr/>
@@ -4859,10 +4931,10 @@
                         <a:defRPr/>
                       </a:pPr>
                       <a:r>
-                        <a:rPr lang="en-US" sz="1400" dirty="0"/>
-                        <a:t>2_10_openai_agent.py</a:t>
-                      </a:r>
-                      <a:endParaRPr lang="en-GB" sz="1400" dirty="0"/>
+                        <a:rPr lang="en-US" sz="1200" dirty="0"/>
+                        <a:t>2_10_openai_agent_memory.py</a:t>
+                      </a:r>
+                      <a:endParaRPr lang="en-GB" sz="1200" dirty="0"/>
                     </a:p>
                     <a:p>
                       <a:pPr marL="0" marR="0" lvl="0" indent="0" algn="l" defTabSz="914400" rtl="0" eaLnBrk="1" fontAlgn="auto" latinLnBrk="0" hangingPunct="1">
@@ -4882,7 +4954,7 @@
                         <a:tabLst/>
                         <a:defRPr/>
                       </a:pPr>
-                      <a:endParaRPr lang="en-GB" sz="1400" dirty="0"/>
+                      <a:endParaRPr lang="en-GB" sz="1200" dirty="0"/>
                     </a:p>
                   </a:txBody>
                   <a:tcPr/>
@@ -4890,6 +4962,118 @@
                 <a:extLst>
                   <a:ext uri="{0D108BD9-81ED-4DB2-BD59-A6C34878D82A}">
                     <a16:rowId xmlns:a16="http://schemas.microsoft.com/office/drawing/2014/main" val="885694069"/>
+                  </a:ext>
+                </a:extLst>
+              </a:tr>
+              <a:tr h="370840">
+                <a:tc>
+                  <a:txBody>
+                    <a:bodyPr/>
+                    <a:lstStyle/>
+                    <a:p>
+                      <a:r>
+                        <a:rPr lang="en-IN" sz="1200" dirty="0"/>
+                        <a:t>7</a:t>
+                      </a:r>
+                      <a:endParaRPr lang="en-GB" sz="1200" dirty="0"/>
+                    </a:p>
+                  </a:txBody>
+                  <a:tcPr/>
+                </a:tc>
+                <a:tc>
+                  <a:txBody>
+                    <a:bodyPr/>
+                    <a:lstStyle/>
+                    <a:p>
+                      <a:r>
+                        <a:rPr lang="en-IN" sz="1200" dirty="0"/>
+                        <a:t>Handoffs* (Using new data – not the earlier customer service data)</a:t>
+                      </a:r>
+                      <a:endParaRPr lang="en-GB" sz="1200" dirty="0"/>
+                    </a:p>
+                  </a:txBody>
+                  <a:tcPr/>
+                </a:tc>
+                <a:tc>
+                  <a:txBody>
+                    <a:bodyPr/>
+                    <a:lstStyle/>
+                    <a:p>
+                      <a:r>
+                        <a:rPr lang="en-IN" sz="1200" dirty="0"/>
+                        <a:t>Handoff</a:t>
+                      </a:r>
+                      <a:endParaRPr lang="en-GB" sz="1200" dirty="0"/>
+                    </a:p>
+                  </a:txBody>
+                  <a:tcPr/>
+                </a:tc>
+                <a:tc>
+                  <a:txBody>
+                    <a:bodyPr/>
+                    <a:lstStyle/>
+                    <a:p>
+                      <a:r>
+                        <a:rPr lang="en-IN" sz="1200" dirty="0"/>
+                        <a:t>Triage agents interprets customer sentiment and routes to an appropriate agent</a:t>
+                      </a:r>
+                      <a:endParaRPr lang="en-GB" sz="1200" dirty="0"/>
+                    </a:p>
+                  </a:txBody>
+                  <a:tcPr/>
+                </a:tc>
+                <a:tc>
+                  <a:txBody>
+                    <a:bodyPr/>
+                    <a:lstStyle/>
+                    <a:p>
+                      <a:r>
+                        <a:rPr lang="en-IN" sz="1200" dirty="0"/>
+                        <a:t>NA</a:t>
+                      </a:r>
+                      <a:endParaRPr lang="en-GB" sz="1200" dirty="0"/>
+                    </a:p>
+                  </a:txBody>
+                  <a:tcPr/>
+                </a:tc>
+                <a:tc>
+                  <a:txBody>
+                    <a:bodyPr/>
+                    <a:lstStyle/>
+                    <a:p>
+                      <a:pPr marL="0" marR="0" lvl="0" indent="0" algn="l" defTabSz="914400" rtl="0" eaLnBrk="1" fontAlgn="auto" latinLnBrk="0" hangingPunct="1">
+                        <a:lnSpc>
+                          <a:spcPct val="100000"/>
+                        </a:lnSpc>
+                        <a:spcBef>
+                          <a:spcPts val="0"/>
+                        </a:spcBef>
+                        <a:spcAft>
+                          <a:spcPts val="0"/>
+                        </a:spcAft>
+                        <a:buClrTx/>
+                        <a:buSzTx/>
+                        <a:buFontTx/>
+                        <a:buNone/>
+                        <a:tabLst/>
+                        <a:defRPr/>
+                      </a:pPr>
+                      <a:r>
+                        <a:rPr lang="en-IN" sz="1200" dirty="0"/>
+                        <a:t>First run </a:t>
+                      </a:r>
+                      <a:r>
+                        <a:rPr lang="en-US" sz="1200" dirty="0"/>
+                        <a:t>2_openai_agent_customer_embeddings_creation.py then 2_11_openai_agent_handoff.py</a:t>
+                      </a:r>
+                      <a:endParaRPr lang="en-GB" sz="1200" dirty="0"/>
+                    </a:p>
+                  </a:txBody>
+                  <a:tcPr/>
+                </a:tc>
+                <a:extLst>
+                  <a:ext uri="{0D108BD9-81ED-4DB2-BD59-A6C34878D82A}">
+                    <a16:rowId xmlns:a16="http://schemas.microsoft.com/office/drawing/2014/main" val="2331440186"/>
                   </a:ext>
                 </a:extLst>
               </a:tr>
@@ -18623,7 +18807,7 @@
           <a:p>
             <a:r>
               <a:rPr lang="en-IN" dirty="0"/>
-              <a:t>Customer Service Agent (2_10_openai_agent.py)</a:t>
+              <a:t>Customer Service Agent (2_10_openai_agent_memory.py)</a:t>
             </a:r>
             <a:endParaRPr lang="en-GB" dirty="0"/>
           </a:p>
@@ -18737,6 +18921,2394 @@
     <p:extLst>
       <p:ext uri="{BB962C8B-B14F-4D97-AF65-F5344CB8AC3E}">
         <p14:creationId xmlns:p14="http://schemas.microsoft.com/office/powerpoint/2010/main" val="660885857"/>
+      </p:ext>
+    </p:extLst>
+  </p:cSld>
+  <p:clrMapOvr>
+    <a:masterClrMapping/>
+  </p:clrMapOvr>
+</p:sld>
+</file>
+
+<file path=ppt/slides/slide24.xml><?xml version="1.0" encoding="utf-8"?>
+<p:sld xmlns:a="http://schemas.openxmlformats.org/drawingml/2006/main" xmlns:r="http://schemas.openxmlformats.org/officeDocument/2006/relationships" xmlns:p="http://schemas.openxmlformats.org/presentationml/2006/main">
+  <p:cSld>
+    <p:spTree>
+      <p:nvGrpSpPr>
+        <p:cNvPr id="1" name=""/>
+        <p:cNvGrpSpPr/>
+        <p:nvPr/>
+      </p:nvGrpSpPr>
+      <p:grpSpPr>
+        <a:xfrm>
+          <a:off x="0" y="0"/>
+          <a:ext cx="0" cy="0"/>
+          <a:chOff x="0" y="0"/>
+          <a:chExt cx="0" cy="0"/>
+        </a:xfrm>
+      </p:grpSpPr>
+      <p:sp>
+        <p:nvSpPr>
+          <p:cNvPr id="2" name="Title 1">
+            <a:extLst>
+              <a:ext uri="{FF2B5EF4-FFF2-40B4-BE49-F238E27FC236}">
+                <a16:creationId xmlns:a16="http://schemas.microsoft.com/office/drawing/2014/main" id="{A707602A-CE57-569E-2E71-8F9B22964BF6}"/>
+              </a:ext>
+            </a:extLst>
+          </p:cNvPr>
+          <p:cNvSpPr>
+            <a:spLocks noGrp="1"/>
+          </p:cNvSpPr>
+          <p:nvPr>
+            <p:ph type="title"/>
+          </p:nvPr>
+        </p:nvSpPr>
+        <p:spPr/>
+        <p:txBody>
+          <a:bodyPr/>
+          <a:lstStyle/>
+          <a:p>
+            <a:r>
+              <a:rPr lang="en-IN" dirty="0"/>
+              <a:t>Handoffs</a:t>
+            </a:r>
+            <a:endParaRPr lang="en-GB" dirty="0"/>
+          </a:p>
+        </p:txBody>
+      </p:sp>
+      <p:graphicFrame>
+        <p:nvGraphicFramePr>
+          <p:cNvPr id="6" name="Content Placeholder 5">
+            <a:extLst>
+              <a:ext uri="{FF2B5EF4-FFF2-40B4-BE49-F238E27FC236}">
+                <a16:creationId xmlns:a16="http://schemas.microsoft.com/office/drawing/2014/main" id="{FAF710C5-016C-D62F-6E07-667919BA60F4}"/>
+              </a:ext>
+            </a:extLst>
+          </p:cNvPr>
+          <p:cNvGraphicFramePr>
+            <a:graphicFrameLocks noGrp="1"/>
+          </p:cNvGraphicFramePr>
+          <p:nvPr>
+            <p:ph idx="1"/>
+          </p:nvPr>
+        </p:nvGraphicFramePr>
+        <p:xfrm>
+          <a:off x="523510" y="1795022"/>
+          <a:ext cx="11091462" cy="4951768"/>
+        </p:xfrm>
+        <a:graphic>
+          <a:graphicData uri="http://schemas.openxmlformats.org/drawingml/2006/table">
+            <a:tbl>
+              <a:tblPr/>
+              <a:tblGrid>
+                <a:gridCol w="1926524">
+                  <a:extLst>
+                    <a:ext uri="{9D8B030D-6E8A-4147-A177-3AD203B41FA5}">
+                      <a16:colId xmlns:a16="http://schemas.microsoft.com/office/drawing/2014/main" val="2968606842"/>
+                    </a:ext>
+                  </a:extLst>
+                </a:gridCol>
+                <a:gridCol w="4613881">
+                  <a:extLst>
+                    <a:ext uri="{9D8B030D-6E8A-4147-A177-3AD203B41FA5}">
+                      <a16:colId xmlns:a16="http://schemas.microsoft.com/office/drawing/2014/main" val="3936321401"/>
+                    </a:ext>
+                  </a:extLst>
+                </a:gridCol>
+                <a:gridCol w="4551057">
+                  <a:extLst>
+                    <a:ext uri="{9D8B030D-6E8A-4147-A177-3AD203B41FA5}">
+                      <a16:colId xmlns:a16="http://schemas.microsoft.com/office/drawing/2014/main" val="486928094"/>
+                    </a:ext>
+                  </a:extLst>
+                </a:gridCol>
+              </a:tblGrid>
+              <a:tr h="200062">
+                <a:tc>
+                  <a:txBody>
+                    <a:bodyPr/>
+                    <a:lstStyle/>
+                    <a:p>
+                      <a:pPr>
+                        <a:buNone/>
+                      </a:pPr>
+                      <a:r>
+                        <a:rPr lang="en-GB" sz="1600" b="1"/>
+                        <a:t>Aspect</a:t>
+                      </a:r>
+                      <a:endParaRPr lang="en-GB" sz="1600"/>
+                    </a:p>
+                  </a:txBody>
+                  <a:tcPr marL="50015" marR="50015" marT="25008" marB="25008" anchor="ctr">
+                    <a:lnL w="12700" cap="flat" cmpd="sng" algn="ctr">
+                      <a:solidFill>
+                        <a:schemeClr val="tx1"/>
+                      </a:solidFill>
+                      <a:prstDash val="solid"/>
+                      <a:round/>
+                      <a:headEnd type="none" w="med" len="med"/>
+                      <a:tailEnd type="none" w="med" len="med"/>
+                    </a:lnL>
+                    <a:lnR w="12700" cap="flat" cmpd="sng" algn="ctr">
+                      <a:solidFill>
+                        <a:schemeClr val="tx1"/>
+                      </a:solidFill>
+                      <a:prstDash val="solid"/>
+                      <a:round/>
+                      <a:headEnd type="none" w="med" len="med"/>
+                      <a:tailEnd type="none" w="med" len="med"/>
+                    </a:lnR>
+                    <a:lnT w="12700" cap="flat" cmpd="sng" algn="ctr">
+                      <a:solidFill>
+                        <a:schemeClr val="tx1"/>
+                      </a:solidFill>
+                      <a:prstDash val="solid"/>
+                      <a:round/>
+                      <a:headEnd type="none" w="med" len="med"/>
+                      <a:tailEnd type="none" w="med" len="med"/>
+                    </a:lnT>
+                    <a:lnB w="12700" cap="flat" cmpd="sng" algn="ctr">
+                      <a:solidFill>
+                        <a:schemeClr val="tx1"/>
+                      </a:solidFill>
+                      <a:prstDash val="solid"/>
+                      <a:round/>
+                      <a:headEnd type="none" w="med" len="med"/>
+                      <a:tailEnd type="none" w="med" len="med"/>
+                    </a:lnB>
+                    <a:solidFill>
+                      <a:schemeClr val="accent6">
+                        <a:lumMod val="20000"/>
+                        <a:lumOff val="80000"/>
+                      </a:schemeClr>
+                    </a:solidFill>
+                  </a:tcPr>
+                </a:tc>
+                <a:tc>
+                  <a:txBody>
+                    <a:bodyPr/>
+                    <a:lstStyle/>
+                    <a:p>
+                      <a:pPr>
+                        <a:buNone/>
+                      </a:pPr>
+                      <a:r>
+                        <a:rPr lang="en-GB" sz="1600" b="1"/>
+                        <a:t>Description</a:t>
+                      </a:r>
+                      <a:endParaRPr lang="en-GB" sz="1600"/>
+                    </a:p>
+                  </a:txBody>
+                  <a:tcPr marL="50015" marR="50015" marT="25008" marB="25008" anchor="ctr">
+                    <a:lnL w="12700" cap="flat" cmpd="sng" algn="ctr">
+                      <a:solidFill>
+                        <a:schemeClr val="tx1"/>
+                      </a:solidFill>
+                      <a:prstDash val="solid"/>
+                      <a:round/>
+                      <a:headEnd type="none" w="med" len="med"/>
+                      <a:tailEnd type="none" w="med" len="med"/>
+                    </a:lnL>
+                    <a:lnR w="12700" cap="flat" cmpd="sng" algn="ctr">
+                      <a:solidFill>
+                        <a:schemeClr val="tx1"/>
+                      </a:solidFill>
+                      <a:prstDash val="solid"/>
+                      <a:round/>
+                      <a:headEnd type="none" w="med" len="med"/>
+                      <a:tailEnd type="none" w="med" len="med"/>
+                    </a:lnR>
+                    <a:lnT w="12700" cap="flat" cmpd="sng" algn="ctr">
+                      <a:solidFill>
+                        <a:schemeClr val="tx1"/>
+                      </a:solidFill>
+                      <a:prstDash val="solid"/>
+                      <a:round/>
+                      <a:headEnd type="none" w="med" len="med"/>
+                      <a:tailEnd type="none" w="med" len="med"/>
+                    </a:lnT>
+                    <a:lnB w="12700" cap="flat" cmpd="sng" algn="ctr">
+                      <a:solidFill>
+                        <a:schemeClr val="tx1"/>
+                      </a:solidFill>
+                      <a:prstDash val="solid"/>
+                      <a:round/>
+                      <a:headEnd type="none" w="med" len="med"/>
+                      <a:tailEnd type="none" w="med" len="med"/>
+                    </a:lnB>
+                    <a:solidFill>
+                      <a:schemeClr val="accent6">
+                        <a:lumMod val="20000"/>
+                        <a:lumOff val="80000"/>
+                      </a:schemeClr>
+                    </a:solidFill>
+                  </a:tcPr>
+                </a:tc>
+                <a:tc>
+                  <a:txBody>
+                    <a:bodyPr/>
+                    <a:lstStyle/>
+                    <a:p>
+                      <a:pPr>
+                        <a:buNone/>
+                      </a:pPr>
+                      <a:r>
+                        <a:rPr lang="en-GB" sz="1600" b="1"/>
+                        <a:t>Example / Notes</a:t>
+                      </a:r>
+                      <a:endParaRPr lang="en-GB" sz="1600"/>
+                    </a:p>
+                  </a:txBody>
+                  <a:tcPr marL="50015" marR="50015" marT="25008" marB="25008" anchor="ctr">
+                    <a:lnL w="12700" cap="flat" cmpd="sng" algn="ctr">
+                      <a:solidFill>
+                        <a:schemeClr val="tx1"/>
+                      </a:solidFill>
+                      <a:prstDash val="solid"/>
+                      <a:round/>
+                      <a:headEnd type="none" w="med" len="med"/>
+                      <a:tailEnd type="none" w="med" len="med"/>
+                    </a:lnL>
+                    <a:lnR w="12700" cap="flat" cmpd="sng" algn="ctr">
+                      <a:solidFill>
+                        <a:schemeClr val="tx1"/>
+                      </a:solidFill>
+                      <a:prstDash val="solid"/>
+                      <a:round/>
+                      <a:headEnd type="none" w="med" len="med"/>
+                      <a:tailEnd type="none" w="med" len="med"/>
+                    </a:lnR>
+                    <a:lnT w="12700" cap="flat" cmpd="sng" algn="ctr">
+                      <a:solidFill>
+                        <a:schemeClr val="tx1"/>
+                      </a:solidFill>
+                      <a:prstDash val="solid"/>
+                      <a:round/>
+                      <a:headEnd type="none" w="med" len="med"/>
+                      <a:tailEnd type="none" w="med" len="med"/>
+                    </a:lnT>
+                    <a:lnB w="12700" cap="flat" cmpd="sng" algn="ctr">
+                      <a:solidFill>
+                        <a:schemeClr val="tx1"/>
+                      </a:solidFill>
+                      <a:prstDash val="solid"/>
+                      <a:round/>
+                      <a:headEnd type="none" w="med" len="med"/>
+                      <a:tailEnd type="none" w="med" len="med"/>
+                    </a:lnB>
+                    <a:solidFill>
+                      <a:schemeClr val="accent6">
+                        <a:lumMod val="20000"/>
+                        <a:lumOff val="80000"/>
+                      </a:schemeClr>
+                    </a:solidFill>
+                  </a:tcPr>
+                </a:tc>
+                <a:extLst>
+                  <a:ext uri="{0D108BD9-81ED-4DB2-BD59-A6C34878D82A}">
+                    <a16:rowId xmlns:a16="http://schemas.microsoft.com/office/drawing/2014/main" val="2427007512"/>
+                  </a:ext>
+                </a:extLst>
+              </a:tr>
+              <a:tr h="500154">
+                <a:tc>
+                  <a:txBody>
+                    <a:bodyPr/>
+                    <a:lstStyle/>
+                    <a:p>
+                      <a:pPr>
+                        <a:buNone/>
+                      </a:pPr>
+                      <a:r>
+                        <a:rPr lang="en-GB" sz="1600" b="1"/>
+                        <a:t>Definition</a:t>
+                      </a:r>
+                      <a:endParaRPr lang="en-GB" sz="1600"/>
+                    </a:p>
+                  </a:txBody>
+                  <a:tcPr marL="50015" marR="50015" marT="25008" marB="25008" anchor="ctr">
+                    <a:lnL w="12700" cap="flat" cmpd="sng" algn="ctr">
+                      <a:solidFill>
+                        <a:schemeClr val="tx1"/>
+                      </a:solidFill>
+                      <a:prstDash val="solid"/>
+                      <a:round/>
+                      <a:headEnd type="none" w="med" len="med"/>
+                      <a:tailEnd type="none" w="med" len="med"/>
+                    </a:lnL>
+                    <a:lnR w="12700" cap="flat" cmpd="sng" algn="ctr">
+                      <a:solidFill>
+                        <a:schemeClr val="tx1"/>
+                      </a:solidFill>
+                      <a:prstDash val="solid"/>
+                      <a:round/>
+                      <a:headEnd type="none" w="med" len="med"/>
+                      <a:tailEnd type="none" w="med" len="med"/>
+                    </a:lnR>
+                    <a:lnT w="12700" cap="flat" cmpd="sng" algn="ctr">
+                      <a:solidFill>
+                        <a:schemeClr val="tx1"/>
+                      </a:solidFill>
+                      <a:prstDash val="solid"/>
+                      <a:round/>
+                      <a:headEnd type="none" w="med" len="med"/>
+                      <a:tailEnd type="none" w="med" len="med"/>
+                    </a:lnT>
+                    <a:lnB w="12700" cap="flat" cmpd="sng" algn="ctr">
+                      <a:solidFill>
+                        <a:schemeClr val="tx1"/>
+                      </a:solidFill>
+                      <a:prstDash val="solid"/>
+                      <a:round/>
+                      <a:headEnd type="none" w="med" len="med"/>
+                      <a:tailEnd type="none" w="med" len="med"/>
+                    </a:lnB>
+                    <a:solidFill>
+                      <a:schemeClr val="accent6">
+                        <a:lumMod val="20000"/>
+                        <a:lumOff val="80000"/>
+                      </a:schemeClr>
+                    </a:solidFill>
+                  </a:tcPr>
+                </a:tc>
+                <a:tc>
+                  <a:txBody>
+                    <a:bodyPr/>
+                    <a:lstStyle/>
+                    <a:p>
+                      <a:pPr>
+                        <a:buNone/>
+                      </a:pPr>
+                      <a:r>
+                        <a:rPr lang="en-US" sz="1600" dirty="0"/>
+                        <a:t>Allows an agent to delegate tasks to another specialized agent</a:t>
+                      </a:r>
+                    </a:p>
+                  </a:txBody>
+                  <a:tcPr marL="50015" marR="50015" marT="25008" marB="25008" anchor="ctr">
+                    <a:lnL w="12700" cap="flat" cmpd="sng" algn="ctr">
+                      <a:solidFill>
+                        <a:schemeClr val="tx1"/>
+                      </a:solidFill>
+                      <a:prstDash val="solid"/>
+                      <a:round/>
+                      <a:headEnd type="none" w="med" len="med"/>
+                      <a:tailEnd type="none" w="med" len="med"/>
+                    </a:lnL>
+                    <a:lnR w="12700" cap="flat" cmpd="sng" algn="ctr">
+                      <a:solidFill>
+                        <a:schemeClr val="tx1"/>
+                      </a:solidFill>
+                      <a:prstDash val="solid"/>
+                      <a:round/>
+                      <a:headEnd type="none" w="med" len="med"/>
+                      <a:tailEnd type="none" w="med" len="med"/>
+                    </a:lnR>
+                    <a:lnT w="12700" cap="flat" cmpd="sng" algn="ctr">
+                      <a:solidFill>
+                        <a:schemeClr val="tx1"/>
+                      </a:solidFill>
+                      <a:prstDash val="solid"/>
+                      <a:round/>
+                      <a:headEnd type="none" w="med" len="med"/>
+                      <a:tailEnd type="none" w="med" len="med"/>
+                    </a:lnT>
+                    <a:lnB w="12700" cap="flat" cmpd="sng" algn="ctr">
+                      <a:solidFill>
+                        <a:schemeClr val="tx1"/>
+                      </a:solidFill>
+                      <a:prstDash val="solid"/>
+                      <a:round/>
+                      <a:headEnd type="none" w="med" len="med"/>
+                      <a:tailEnd type="none" w="med" len="med"/>
+                    </a:lnB>
+                    <a:solidFill>
+                      <a:schemeClr val="accent6">
+                        <a:lumMod val="20000"/>
+                        <a:lumOff val="80000"/>
+                      </a:schemeClr>
+                    </a:solidFill>
+                  </a:tcPr>
+                </a:tc>
+                <a:tc>
+                  <a:txBody>
+                    <a:bodyPr/>
+                    <a:lstStyle/>
+                    <a:p>
+                      <a:pPr>
+                        <a:buNone/>
+                      </a:pPr>
+                      <a:r>
+                        <a:rPr lang="en-US" sz="1600" dirty="0"/>
+                        <a:t>One agent passes control to another based on context or expertise</a:t>
+                      </a:r>
+                    </a:p>
+                  </a:txBody>
+                  <a:tcPr marL="50015" marR="50015" marT="25008" marB="25008" anchor="ctr">
+                    <a:lnL w="12700" cap="flat" cmpd="sng" algn="ctr">
+                      <a:solidFill>
+                        <a:schemeClr val="tx1"/>
+                      </a:solidFill>
+                      <a:prstDash val="solid"/>
+                      <a:round/>
+                      <a:headEnd type="none" w="med" len="med"/>
+                      <a:tailEnd type="none" w="med" len="med"/>
+                    </a:lnL>
+                    <a:lnR w="12700" cap="flat" cmpd="sng" algn="ctr">
+                      <a:solidFill>
+                        <a:schemeClr val="tx1"/>
+                      </a:solidFill>
+                      <a:prstDash val="solid"/>
+                      <a:round/>
+                      <a:headEnd type="none" w="med" len="med"/>
+                      <a:tailEnd type="none" w="med" len="med"/>
+                    </a:lnR>
+                    <a:lnT w="12700" cap="flat" cmpd="sng" algn="ctr">
+                      <a:solidFill>
+                        <a:schemeClr val="tx1"/>
+                      </a:solidFill>
+                      <a:prstDash val="solid"/>
+                      <a:round/>
+                      <a:headEnd type="none" w="med" len="med"/>
+                      <a:tailEnd type="none" w="med" len="med"/>
+                    </a:lnT>
+                    <a:lnB w="12700" cap="flat" cmpd="sng" algn="ctr">
+                      <a:solidFill>
+                        <a:schemeClr val="tx1"/>
+                      </a:solidFill>
+                      <a:prstDash val="solid"/>
+                      <a:round/>
+                      <a:headEnd type="none" w="med" len="med"/>
+                      <a:tailEnd type="none" w="med" len="med"/>
+                    </a:lnB>
+                    <a:solidFill>
+                      <a:schemeClr val="accent6">
+                        <a:lumMod val="20000"/>
+                        <a:lumOff val="80000"/>
+                      </a:schemeClr>
+                    </a:solidFill>
+                  </a:tcPr>
+                </a:tc>
+                <a:extLst>
+                  <a:ext uri="{0D108BD9-81ED-4DB2-BD59-A6C34878D82A}">
+                    <a16:rowId xmlns:a16="http://schemas.microsoft.com/office/drawing/2014/main" val="1749098015"/>
+                  </a:ext>
+                </a:extLst>
+              </a:tr>
+              <a:tr h="500154">
+                <a:tc>
+                  <a:txBody>
+                    <a:bodyPr/>
+                    <a:lstStyle/>
+                    <a:p>
+                      <a:pPr>
+                        <a:buNone/>
+                      </a:pPr>
+                      <a:r>
+                        <a:rPr lang="en-GB" sz="1600" b="1"/>
+                        <a:t>Purpose</a:t>
+                      </a:r>
+                      <a:endParaRPr lang="en-GB" sz="1600"/>
+                    </a:p>
+                  </a:txBody>
+                  <a:tcPr marL="50015" marR="50015" marT="25008" marB="25008" anchor="ctr">
+                    <a:lnL w="12700" cap="flat" cmpd="sng" algn="ctr">
+                      <a:solidFill>
+                        <a:schemeClr val="tx1"/>
+                      </a:solidFill>
+                      <a:prstDash val="solid"/>
+                      <a:round/>
+                      <a:headEnd type="none" w="med" len="med"/>
+                      <a:tailEnd type="none" w="med" len="med"/>
+                    </a:lnL>
+                    <a:lnR w="12700" cap="flat" cmpd="sng" algn="ctr">
+                      <a:solidFill>
+                        <a:schemeClr val="tx1"/>
+                      </a:solidFill>
+                      <a:prstDash val="solid"/>
+                      <a:round/>
+                      <a:headEnd type="none" w="med" len="med"/>
+                      <a:tailEnd type="none" w="med" len="med"/>
+                    </a:lnR>
+                    <a:lnT w="12700" cap="flat" cmpd="sng" algn="ctr">
+                      <a:solidFill>
+                        <a:schemeClr val="tx1"/>
+                      </a:solidFill>
+                      <a:prstDash val="solid"/>
+                      <a:round/>
+                      <a:headEnd type="none" w="med" len="med"/>
+                      <a:tailEnd type="none" w="med" len="med"/>
+                    </a:lnT>
+                    <a:lnB w="12700" cap="flat" cmpd="sng" algn="ctr">
+                      <a:solidFill>
+                        <a:schemeClr val="tx1"/>
+                      </a:solidFill>
+                      <a:prstDash val="solid"/>
+                      <a:round/>
+                      <a:headEnd type="none" w="med" len="med"/>
+                      <a:tailEnd type="none" w="med" len="med"/>
+                    </a:lnB>
+                    <a:solidFill>
+                      <a:schemeClr val="accent6">
+                        <a:lumMod val="20000"/>
+                        <a:lumOff val="80000"/>
+                      </a:schemeClr>
+                    </a:solidFill>
+                  </a:tcPr>
+                </a:tc>
+                <a:tc>
+                  <a:txBody>
+                    <a:bodyPr/>
+                    <a:lstStyle/>
+                    <a:p>
+                      <a:pPr>
+                        <a:buNone/>
+                      </a:pPr>
+                      <a:r>
+                        <a:rPr lang="en-US" sz="1600" dirty="0"/>
+                        <a:t>Useful when multiple agents handle distinct areas or specialized tasks</a:t>
+                      </a:r>
+                    </a:p>
+                  </a:txBody>
+                  <a:tcPr marL="50015" marR="50015" marT="25008" marB="25008" anchor="ctr">
+                    <a:lnL w="12700" cap="flat" cmpd="sng" algn="ctr">
+                      <a:solidFill>
+                        <a:schemeClr val="tx1"/>
+                      </a:solidFill>
+                      <a:prstDash val="solid"/>
+                      <a:round/>
+                      <a:headEnd type="none" w="med" len="med"/>
+                      <a:tailEnd type="none" w="med" len="med"/>
+                    </a:lnL>
+                    <a:lnR w="12700" cap="flat" cmpd="sng" algn="ctr">
+                      <a:solidFill>
+                        <a:schemeClr val="tx1"/>
+                      </a:solidFill>
+                      <a:prstDash val="solid"/>
+                      <a:round/>
+                      <a:headEnd type="none" w="med" len="med"/>
+                      <a:tailEnd type="none" w="med" len="med"/>
+                    </a:lnR>
+                    <a:lnT w="12700" cap="flat" cmpd="sng" algn="ctr">
+                      <a:solidFill>
+                        <a:schemeClr val="tx1"/>
+                      </a:solidFill>
+                      <a:prstDash val="solid"/>
+                      <a:round/>
+                      <a:headEnd type="none" w="med" len="med"/>
+                      <a:tailEnd type="none" w="med" len="med"/>
+                    </a:lnT>
+                    <a:lnB w="12700" cap="flat" cmpd="sng" algn="ctr">
+                      <a:solidFill>
+                        <a:schemeClr val="tx1"/>
+                      </a:solidFill>
+                      <a:prstDash val="solid"/>
+                      <a:round/>
+                      <a:headEnd type="none" w="med" len="med"/>
+                      <a:tailEnd type="none" w="med" len="med"/>
+                    </a:lnB>
+                    <a:solidFill>
+                      <a:schemeClr val="accent6">
+                        <a:lumMod val="20000"/>
+                        <a:lumOff val="80000"/>
+                      </a:schemeClr>
+                    </a:solidFill>
+                  </a:tcPr>
+                </a:tc>
+                <a:tc>
+                  <a:txBody>
+                    <a:bodyPr/>
+                    <a:lstStyle/>
+                    <a:p>
+                      <a:pPr>
+                        <a:buNone/>
+                      </a:pPr>
+                      <a:r>
+                        <a:rPr lang="en-US" sz="1600" dirty="0"/>
+                        <a:t>E.g., separating “Order Status,” “Refund,” and “FAQ” handling</a:t>
+                      </a:r>
+                    </a:p>
+                  </a:txBody>
+                  <a:tcPr marL="50015" marR="50015" marT="25008" marB="25008" anchor="ctr">
+                    <a:lnL w="12700" cap="flat" cmpd="sng" algn="ctr">
+                      <a:solidFill>
+                        <a:schemeClr val="tx1"/>
+                      </a:solidFill>
+                      <a:prstDash val="solid"/>
+                      <a:round/>
+                      <a:headEnd type="none" w="med" len="med"/>
+                      <a:tailEnd type="none" w="med" len="med"/>
+                    </a:lnL>
+                    <a:lnR w="12700" cap="flat" cmpd="sng" algn="ctr">
+                      <a:solidFill>
+                        <a:schemeClr val="tx1"/>
+                      </a:solidFill>
+                      <a:prstDash val="solid"/>
+                      <a:round/>
+                      <a:headEnd type="none" w="med" len="med"/>
+                      <a:tailEnd type="none" w="med" len="med"/>
+                    </a:lnR>
+                    <a:lnT w="12700" cap="flat" cmpd="sng" algn="ctr">
+                      <a:solidFill>
+                        <a:schemeClr val="tx1"/>
+                      </a:solidFill>
+                      <a:prstDash val="solid"/>
+                      <a:round/>
+                      <a:headEnd type="none" w="med" len="med"/>
+                      <a:tailEnd type="none" w="med" len="med"/>
+                    </a:lnT>
+                    <a:lnB w="12700" cap="flat" cmpd="sng" algn="ctr">
+                      <a:solidFill>
+                        <a:schemeClr val="tx1"/>
+                      </a:solidFill>
+                      <a:prstDash val="solid"/>
+                      <a:round/>
+                      <a:headEnd type="none" w="med" len="med"/>
+                      <a:tailEnd type="none" w="med" len="med"/>
+                    </a:lnB>
+                    <a:solidFill>
+                      <a:schemeClr val="accent6">
+                        <a:lumMod val="20000"/>
+                        <a:lumOff val="80000"/>
+                      </a:schemeClr>
+                    </a:solidFill>
+                  </a:tcPr>
+                </a:tc>
+                <a:extLst>
+                  <a:ext uri="{0D108BD9-81ED-4DB2-BD59-A6C34878D82A}">
+                    <a16:rowId xmlns:a16="http://schemas.microsoft.com/office/drawing/2014/main" val="80734009"/>
+                  </a:ext>
+                </a:extLst>
+              </a:tr>
+              <a:tr h="500154">
+                <a:tc>
+                  <a:txBody>
+                    <a:bodyPr/>
+                    <a:lstStyle/>
+                    <a:p>
+                      <a:pPr>
+                        <a:buNone/>
+                      </a:pPr>
+                      <a:r>
+                        <a:rPr lang="en-GB" sz="1600" b="1"/>
+                        <a:t>Typical Use Case</a:t>
+                      </a:r>
+                      <a:endParaRPr lang="en-GB" sz="1600"/>
+                    </a:p>
+                  </a:txBody>
+                  <a:tcPr marL="50015" marR="50015" marT="25008" marB="25008" anchor="ctr">
+                    <a:lnL w="12700" cap="flat" cmpd="sng" algn="ctr">
+                      <a:solidFill>
+                        <a:schemeClr val="tx1"/>
+                      </a:solidFill>
+                      <a:prstDash val="solid"/>
+                      <a:round/>
+                      <a:headEnd type="none" w="med" len="med"/>
+                      <a:tailEnd type="none" w="med" len="med"/>
+                    </a:lnL>
+                    <a:lnR w="12700" cap="flat" cmpd="sng" algn="ctr">
+                      <a:solidFill>
+                        <a:schemeClr val="tx1"/>
+                      </a:solidFill>
+                      <a:prstDash val="solid"/>
+                      <a:round/>
+                      <a:headEnd type="none" w="med" len="med"/>
+                      <a:tailEnd type="none" w="med" len="med"/>
+                    </a:lnR>
+                    <a:lnT w="12700" cap="flat" cmpd="sng" algn="ctr">
+                      <a:solidFill>
+                        <a:schemeClr val="tx1"/>
+                      </a:solidFill>
+                      <a:prstDash val="solid"/>
+                      <a:round/>
+                      <a:headEnd type="none" w="med" len="med"/>
+                      <a:tailEnd type="none" w="med" len="med"/>
+                    </a:lnT>
+                    <a:lnB w="12700" cap="flat" cmpd="sng" algn="ctr">
+                      <a:solidFill>
+                        <a:schemeClr val="tx1"/>
+                      </a:solidFill>
+                      <a:prstDash val="solid"/>
+                      <a:round/>
+                      <a:headEnd type="none" w="med" len="med"/>
+                      <a:tailEnd type="none" w="med" len="med"/>
+                    </a:lnB>
+                    <a:solidFill>
+                      <a:schemeClr val="accent6">
+                        <a:lumMod val="20000"/>
+                        <a:lumOff val="80000"/>
+                      </a:schemeClr>
+                    </a:solidFill>
+                  </a:tcPr>
+                </a:tc>
+                <a:tc>
+                  <a:txBody>
+                    <a:bodyPr/>
+                    <a:lstStyle/>
+                    <a:p>
+                      <a:pPr>
+                        <a:buNone/>
+                      </a:pPr>
+                      <a:r>
+                        <a:rPr lang="en-US" sz="1600" dirty="0"/>
+                        <a:t>Customer support system where queries are routed to the correct expert agent</a:t>
+                      </a:r>
+                    </a:p>
+                  </a:txBody>
+                  <a:tcPr marL="50015" marR="50015" marT="25008" marB="25008" anchor="ctr">
+                    <a:lnL w="12700" cap="flat" cmpd="sng" algn="ctr">
+                      <a:solidFill>
+                        <a:schemeClr val="tx1"/>
+                      </a:solidFill>
+                      <a:prstDash val="solid"/>
+                      <a:round/>
+                      <a:headEnd type="none" w="med" len="med"/>
+                      <a:tailEnd type="none" w="med" len="med"/>
+                    </a:lnL>
+                    <a:lnR w="12700" cap="flat" cmpd="sng" algn="ctr">
+                      <a:solidFill>
+                        <a:schemeClr val="tx1"/>
+                      </a:solidFill>
+                      <a:prstDash val="solid"/>
+                      <a:round/>
+                      <a:headEnd type="none" w="med" len="med"/>
+                      <a:tailEnd type="none" w="med" len="med"/>
+                    </a:lnR>
+                    <a:lnT w="12700" cap="flat" cmpd="sng" algn="ctr">
+                      <a:solidFill>
+                        <a:schemeClr val="tx1"/>
+                      </a:solidFill>
+                      <a:prstDash val="solid"/>
+                      <a:round/>
+                      <a:headEnd type="none" w="med" len="med"/>
+                      <a:tailEnd type="none" w="med" len="med"/>
+                    </a:lnT>
+                    <a:lnB w="12700" cap="flat" cmpd="sng" algn="ctr">
+                      <a:solidFill>
+                        <a:schemeClr val="tx1"/>
+                      </a:solidFill>
+                      <a:prstDash val="solid"/>
+                      <a:round/>
+                      <a:headEnd type="none" w="med" len="med"/>
+                      <a:tailEnd type="none" w="med" len="med"/>
+                    </a:lnB>
+                    <a:solidFill>
+                      <a:schemeClr val="accent6">
+                        <a:lumMod val="20000"/>
+                        <a:lumOff val="80000"/>
+                      </a:schemeClr>
+                    </a:solidFill>
+                  </a:tcPr>
+                </a:tc>
+                <a:tc>
+                  <a:txBody>
+                    <a:bodyPr/>
+                    <a:lstStyle/>
+                    <a:p>
+                      <a:pPr>
+                        <a:buNone/>
+                      </a:pPr>
+                      <a:r>
+                        <a:rPr lang="en-US" sz="1600" dirty="0"/>
+                        <a:t>“Refund Agent” for refund issues, “Order Agent” for order status, </a:t>
+                      </a:r>
+                      <a:r>
+                        <a:rPr lang="en-US" sz="1600" dirty="0" err="1"/>
+                        <a:t>etc</a:t>
+                      </a:r>
+                      <a:endParaRPr lang="en-US" sz="1600" dirty="0"/>
+                    </a:p>
+                  </a:txBody>
+                  <a:tcPr marL="50015" marR="50015" marT="25008" marB="25008" anchor="ctr">
+                    <a:lnL w="12700" cap="flat" cmpd="sng" algn="ctr">
+                      <a:solidFill>
+                        <a:schemeClr val="tx1"/>
+                      </a:solidFill>
+                      <a:prstDash val="solid"/>
+                      <a:round/>
+                      <a:headEnd type="none" w="med" len="med"/>
+                      <a:tailEnd type="none" w="med" len="med"/>
+                    </a:lnL>
+                    <a:lnR w="12700" cap="flat" cmpd="sng" algn="ctr">
+                      <a:solidFill>
+                        <a:schemeClr val="tx1"/>
+                      </a:solidFill>
+                      <a:prstDash val="solid"/>
+                      <a:round/>
+                      <a:headEnd type="none" w="med" len="med"/>
+                      <a:tailEnd type="none" w="med" len="med"/>
+                    </a:lnR>
+                    <a:lnT w="12700" cap="flat" cmpd="sng" algn="ctr">
+                      <a:solidFill>
+                        <a:schemeClr val="tx1"/>
+                      </a:solidFill>
+                      <a:prstDash val="solid"/>
+                      <a:round/>
+                      <a:headEnd type="none" w="med" len="med"/>
+                      <a:tailEnd type="none" w="med" len="med"/>
+                    </a:lnT>
+                    <a:lnB w="12700" cap="flat" cmpd="sng" algn="ctr">
+                      <a:solidFill>
+                        <a:schemeClr val="tx1"/>
+                      </a:solidFill>
+                      <a:prstDash val="solid"/>
+                      <a:round/>
+                      <a:headEnd type="none" w="med" len="med"/>
+                      <a:tailEnd type="none" w="med" len="med"/>
+                    </a:lnB>
+                    <a:solidFill>
+                      <a:schemeClr val="accent6">
+                        <a:lumMod val="20000"/>
+                        <a:lumOff val="80000"/>
+                      </a:schemeClr>
+                    </a:solidFill>
+                  </a:tcPr>
+                </a:tc>
+                <a:extLst>
+                  <a:ext uri="{0D108BD9-81ED-4DB2-BD59-A6C34878D82A}">
+                    <a16:rowId xmlns:a16="http://schemas.microsoft.com/office/drawing/2014/main" val="4261608973"/>
+                  </a:ext>
+                </a:extLst>
+              </a:tr>
+              <a:tr h="650200">
+                <a:tc>
+                  <a:txBody>
+                    <a:bodyPr/>
+                    <a:lstStyle/>
+                    <a:p>
+                      <a:pPr>
+                        <a:buNone/>
+                      </a:pPr>
+                      <a:r>
+                        <a:rPr lang="en-GB" sz="1600" b="1"/>
+                        <a:t>Underlying Mechanism</a:t>
+                      </a:r>
+                      <a:endParaRPr lang="en-GB" sz="1600"/>
+                    </a:p>
+                  </a:txBody>
+                  <a:tcPr marL="50015" marR="50015" marT="25008" marB="25008" anchor="ctr">
+                    <a:lnL w="12700" cap="flat" cmpd="sng" algn="ctr">
+                      <a:solidFill>
+                        <a:schemeClr val="tx1"/>
+                      </a:solidFill>
+                      <a:prstDash val="solid"/>
+                      <a:round/>
+                      <a:headEnd type="none" w="med" len="med"/>
+                      <a:tailEnd type="none" w="med" len="med"/>
+                    </a:lnL>
+                    <a:lnR w="12700" cap="flat" cmpd="sng" algn="ctr">
+                      <a:solidFill>
+                        <a:schemeClr val="tx1"/>
+                      </a:solidFill>
+                      <a:prstDash val="solid"/>
+                      <a:round/>
+                      <a:headEnd type="none" w="med" len="med"/>
+                      <a:tailEnd type="none" w="med" len="med"/>
+                    </a:lnR>
+                    <a:lnT w="12700" cap="flat" cmpd="sng" algn="ctr">
+                      <a:solidFill>
+                        <a:schemeClr val="tx1"/>
+                      </a:solidFill>
+                      <a:prstDash val="solid"/>
+                      <a:round/>
+                      <a:headEnd type="none" w="med" len="med"/>
+                      <a:tailEnd type="none" w="med" len="med"/>
+                    </a:lnT>
+                    <a:lnB w="12700" cap="flat" cmpd="sng" algn="ctr">
+                      <a:solidFill>
+                        <a:schemeClr val="tx1"/>
+                      </a:solidFill>
+                      <a:prstDash val="solid"/>
+                      <a:round/>
+                      <a:headEnd type="none" w="med" len="med"/>
+                      <a:tailEnd type="none" w="med" len="med"/>
+                    </a:lnB>
+                    <a:solidFill>
+                      <a:schemeClr val="accent6">
+                        <a:lumMod val="20000"/>
+                        <a:lumOff val="80000"/>
+                      </a:schemeClr>
+                    </a:solidFill>
+                  </a:tcPr>
+                </a:tc>
+                <a:tc>
+                  <a:txBody>
+                    <a:bodyPr/>
+                    <a:lstStyle/>
+                    <a:p>
+                      <a:pPr>
+                        <a:buNone/>
+                      </a:pPr>
+                      <a:r>
+                        <a:rPr lang="en-US" sz="1600" dirty="0"/>
+                        <a:t>A </a:t>
+                      </a:r>
+                      <a:r>
+                        <a:rPr lang="en-US" sz="1600" i="1" dirty="0"/>
+                        <a:t>handoff</a:t>
+                      </a:r>
+                      <a:r>
+                        <a:rPr lang="en-US" sz="1600" dirty="0"/>
+                        <a:t> triggers a call to the corresponding function (e.g., </a:t>
+                      </a:r>
+                      <a:r>
+                        <a:rPr lang="en-US" sz="1600" dirty="0" err="1">
+                          <a:latin typeface="Courier New" panose="02070309020205020404" pitchFamily="49" charset="0"/>
+                        </a:rPr>
+                        <a:t>transfer_to_refund_agent</a:t>
+                      </a:r>
+                      <a:r>
+                        <a:rPr lang="en-US" sz="1600" dirty="0"/>
+                        <a:t>)</a:t>
+                      </a:r>
+                    </a:p>
+                  </a:txBody>
+                  <a:tcPr marL="50015" marR="50015" marT="25008" marB="25008" anchor="ctr">
+                    <a:lnL w="12700" cap="flat" cmpd="sng" algn="ctr">
+                      <a:solidFill>
+                        <a:schemeClr val="tx1"/>
+                      </a:solidFill>
+                      <a:prstDash val="solid"/>
+                      <a:round/>
+                      <a:headEnd type="none" w="med" len="med"/>
+                      <a:tailEnd type="none" w="med" len="med"/>
+                    </a:lnL>
+                    <a:lnR w="12700" cap="flat" cmpd="sng" algn="ctr">
+                      <a:solidFill>
+                        <a:schemeClr val="tx1"/>
+                      </a:solidFill>
+                      <a:prstDash val="solid"/>
+                      <a:round/>
+                      <a:headEnd type="none" w="med" len="med"/>
+                      <a:tailEnd type="none" w="med" len="med"/>
+                    </a:lnR>
+                    <a:lnT w="12700" cap="flat" cmpd="sng" algn="ctr">
+                      <a:solidFill>
+                        <a:schemeClr val="tx1"/>
+                      </a:solidFill>
+                      <a:prstDash val="solid"/>
+                      <a:round/>
+                      <a:headEnd type="none" w="med" len="med"/>
+                      <a:tailEnd type="none" w="med" len="med"/>
+                    </a:lnT>
+                    <a:lnB w="12700" cap="flat" cmpd="sng" algn="ctr">
+                      <a:solidFill>
+                        <a:schemeClr val="tx1"/>
+                      </a:solidFill>
+                      <a:prstDash val="solid"/>
+                      <a:round/>
+                      <a:headEnd type="none" w="med" len="med"/>
+                      <a:tailEnd type="none" w="med" len="med"/>
+                    </a:lnB>
+                    <a:solidFill>
+                      <a:schemeClr val="accent6">
+                        <a:lumMod val="20000"/>
+                        <a:lumOff val="80000"/>
+                      </a:schemeClr>
+                    </a:solidFill>
+                  </a:tcPr>
+                </a:tc>
+                <a:tc>
+                  <a:txBody>
+                    <a:bodyPr/>
+                    <a:lstStyle/>
+                    <a:p>
+                      <a:pPr>
+                        <a:buNone/>
+                      </a:pPr>
+                      <a:r>
+                        <a:rPr lang="en-US" sz="1600" dirty="0"/>
+                        <a:t>Enables seamless task transfer between agents</a:t>
+                      </a:r>
+                    </a:p>
+                  </a:txBody>
+                  <a:tcPr marL="50015" marR="50015" marT="25008" marB="25008" anchor="ctr">
+                    <a:lnL w="12700" cap="flat" cmpd="sng" algn="ctr">
+                      <a:solidFill>
+                        <a:schemeClr val="tx1"/>
+                      </a:solidFill>
+                      <a:prstDash val="solid"/>
+                      <a:round/>
+                      <a:headEnd type="none" w="med" len="med"/>
+                      <a:tailEnd type="none" w="med" len="med"/>
+                    </a:lnL>
+                    <a:lnR w="12700" cap="flat" cmpd="sng" algn="ctr">
+                      <a:solidFill>
+                        <a:schemeClr val="tx1"/>
+                      </a:solidFill>
+                      <a:prstDash val="solid"/>
+                      <a:round/>
+                      <a:headEnd type="none" w="med" len="med"/>
+                      <a:tailEnd type="none" w="med" len="med"/>
+                    </a:lnR>
+                    <a:lnT w="12700" cap="flat" cmpd="sng" algn="ctr">
+                      <a:solidFill>
+                        <a:schemeClr val="tx1"/>
+                      </a:solidFill>
+                      <a:prstDash val="solid"/>
+                      <a:round/>
+                      <a:headEnd type="none" w="med" len="med"/>
+                      <a:tailEnd type="none" w="med" len="med"/>
+                    </a:lnT>
+                    <a:lnB w="12700" cap="flat" cmpd="sng" algn="ctr">
+                      <a:solidFill>
+                        <a:schemeClr val="tx1"/>
+                      </a:solidFill>
+                      <a:prstDash val="solid"/>
+                      <a:round/>
+                      <a:headEnd type="none" w="med" len="med"/>
+                      <a:tailEnd type="none" w="med" len="med"/>
+                    </a:lnB>
+                    <a:solidFill>
+                      <a:schemeClr val="accent6">
+                        <a:lumMod val="20000"/>
+                        <a:lumOff val="80000"/>
+                      </a:schemeClr>
+                    </a:solidFill>
+                  </a:tcPr>
+                </a:tc>
+                <a:extLst>
+                  <a:ext uri="{0D108BD9-81ED-4DB2-BD59-A6C34878D82A}">
+                    <a16:rowId xmlns:a16="http://schemas.microsoft.com/office/drawing/2014/main" val="4144975619"/>
+                  </a:ext>
+                </a:extLst>
+              </a:tr>
+              <a:tr h="500154">
+                <a:tc>
+                  <a:txBody>
+                    <a:bodyPr/>
+                    <a:lstStyle/>
+                    <a:p>
+                      <a:pPr>
+                        <a:buNone/>
+                      </a:pPr>
+                      <a:r>
+                        <a:rPr lang="en-GB" sz="1600" b="1"/>
+                        <a:t>SDK Representation</a:t>
+                      </a:r>
+                      <a:endParaRPr lang="en-GB" sz="1600"/>
+                    </a:p>
+                  </a:txBody>
+                  <a:tcPr marL="50015" marR="50015" marT="25008" marB="25008" anchor="ctr">
+                    <a:lnL w="12700" cap="flat" cmpd="sng" algn="ctr">
+                      <a:solidFill>
+                        <a:schemeClr val="tx1"/>
+                      </a:solidFill>
+                      <a:prstDash val="solid"/>
+                      <a:round/>
+                      <a:headEnd type="none" w="med" len="med"/>
+                      <a:tailEnd type="none" w="med" len="med"/>
+                    </a:lnL>
+                    <a:lnR w="12700" cap="flat" cmpd="sng" algn="ctr">
+                      <a:solidFill>
+                        <a:schemeClr val="tx1"/>
+                      </a:solidFill>
+                      <a:prstDash val="solid"/>
+                      <a:round/>
+                      <a:headEnd type="none" w="med" len="med"/>
+                      <a:tailEnd type="none" w="med" len="med"/>
+                    </a:lnR>
+                    <a:lnT w="12700" cap="flat" cmpd="sng" algn="ctr">
+                      <a:solidFill>
+                        <a:schemeClr val="tx1"/>
+                      </a:solidFill>
+                      <a:prstDash val="solid"/>
+                      <a:round/>
+                      <a:headEnd type="none" w="med" len="med"/>
+                      <a:tailEnd type="none" w="med" len="med"/>
+                    </a:lnT>
+                    <a:lnB w="12700" cap="flat" cmpd="sng" algn="ctr">
+                      <a:solidFill>
+                        <a:schemeClr val="tx1"/>
+                      </a:solidFill>
+                      <a:prstDash val="solid"/>
+                      <a:round/>
+                      <a:headEnd type="none" w="med" len="med"/>
+                      <a:tailEnd type="none" w="med" len="med"/>
+                    </a:lnB>
+                    <a:solidFill>
+                      <a:schemeClr val="accent6">
+                        <a:lumMod val="20000"/>
+                        <a:lumOff val="80000"/>
+                      </a:schemeClr>
+                    </a:solidFill>
+                  </a:tcPr>
+                </a:tc>
+                <a:tc>
+                  <a:txBody>
+                    <a:bodyPr/>
+                    <a:lstStyle/>
+                    <a:p>
+                      <a:pPr>
+                        <a:buNone/>
+                      </a:pPr>
+                      <a:r>
+                        <a:rPr lang="en-US" sz="1600" dirty="0"/>
+                        <a:t>Implemented via the </a:t>
+                      </a:r>
+                      <a:r>
+                        <a:rPr lang="en-US" sz="1600" b="1" dirty="0">
+                          <a:latin typeface="Courier New" panose="02070309020205020404" pitchFamily="49" charset="0"/>
+                        </a:rPr>
+                        <a:t>handoff</a:t>
+                      </a:r>
+                      <a:r>
+                        <a:rPr lang="en-US" sz="1600" b="1" dirty="0"/>
+                        <a:t> parameter</a:t>
+                      </a:r>
+                      <a:r>
+                        <a:rPr lang="en-US" sz="1600" dirty="0"/>
+                        <a:t> or a </a:t>
+                      </a:r>
+                      <a:r>
+                        <a:rPr lang="en-US" sz="1600" b="1" dirty="0">
+                          <a:latin typeface="Courier New" panose="02070309020205020404" pitchFamily="49" charset="0"/>
+                        </a:rPr>
+                        <a:t>Handoff</a:t>
+                      </a:r>
+                      <a:r>
+                        <a:rPr lang="en-US" sz="1600" b="1" dirty="0"/>
+                        <a:t> object</a:t>
+                      </a:r>
+                      <a:r>
+                        <a:rPr lang="en-US" sz="1600" dirty="0"/>
+                        <a:t> in an agent definition</a:t>
+                      </a:r>
+                    </a:p>
+                  </a:txBody>
+                  <a:tcPr marL="50015" marR="50015" marT="25008" marB="25008" anchor="ctr">
+                    <a:lnL w="12700" cap="flat" cmpd="sng" algn="ctr">
+                      <a:solidFill>
+                        <a:schemeClr val="tx1"/>
+                      </a:solidFill>
+                      <a:prstDash val="solid"/>
+                      <a:round/>
+                      <a:headEnd type="none" w="med" len="med"/>
+                      <a:tailEnd type="none" w="med" len="med"/>
+                    </a:lnL>
+                    <a:lnR w="12700" cap="flat" cmpd="sng" algn="ctr">
+                      <a:solidFill>
+                        <a:schemeClr val="tx1"/>
+                      </a:solidFill>
+                      <a:prstDash val="solid"/>
+                      <a:round/>
+                      <a:headEnd type="none" w="med" len="med"/>
+                      <a:tailEnd type="none" w="med" len="med"/>
+                    </a:lnR>
+                    <a:lnT w="12700" cap="flat" cmpd="sng" algn="ctr">
+                      <a:solidFill>
+                        <a:schemeClr val="tx1"/>
+                      </a:solidFill>
+                      <a:prstDash val="solid"/>
+                      <a:round/>
+                      <a:headEnd type="none" w="med" len="med"/>
+                      <a:tailEnd type="none" w="med" len="med"/>
+                    </a:lnT>
+                    <a:lnB w="12700" cap="flat" cmpd="sng" algn="ctr">
+                      <a:solidFill>
+                        <a:schemeClr val="tx1"/>
+                      </a:solidFill>
+                      <a:prstDash val="solid"/>
+                      <a:round/>
+                      <a:headEnd type="none" w="med" len="med"/>
+                      <a:tailEnd type="none" w="med" len="med"/>
+                    </a:lnB>
+                    <a:solidFill>
+                      <a:schemeClr val="accent6">
+                        <a:lumMod val="20000"/>
+                        <a:lumOff val="80000"/>
+                      </a:schemeClr>
+                    </a:solidFill>
+                  </a:tcPr>
+                </a:tc>
+                <a:tc>
+                  <a:txBody>
+                    <a:bodyPr/>
+                    <a:lstStyle/>
+                    <a:p>
+                      <a:pPr>
+                        <a:buNone/>
+                      </a:pPr>
+                      <a:r>
+                        <a:rPr lang="en-US" sz="1600" dirty="0"/>
+                        <a:t>Agents define how and when they perform handoffs</a:t>
+                      </a:r>
+                    </a:p>
+                  </a:txBody>
+                  <a:tcPr marL="50015" marR="50015" marT="25008" marB="25008" anchor="ctr">
+                    <a:lnL w="12700" cap="flat" cmpd="sng" algn="ctr">
+                      <a:solidFill>
+                        <a:schemeClr val="tx1"/>
+                      </a:solidFill>
+                      <a:prstDash val="solid"/>
+                      <a:round/>
+                      <a:headEnd type="none" w="med" len="med"/>
+                      <a:tailEnd type="none" w="med" len="med"/>
+                    </a:lnL>
+                    <a:lnR w="12700" cap="flat" cmpd="sng" algn="ctr">
+                      <a:solidFill>
+                        <a:schemeClr val="tx1"/>
+                      </a:solidFill>
+                      <a:prstDash val="solid"/>
+                      <a:round/>
+                      <a:headEnd type="none" w="med" len="med"/>
+                      <a:tailEnd type="none" w="med" len="med"/>
+                    </a:lnR>
+                    <a:lnT w="12700" cap="flat" cmpd="sng" algn="ctr">
+                      <a:solidFill>
+                        <a:schemeClr val="tx1"/>
+                      </a:solidFill>
+                      <a:prstDash val="solid"/>
+                      <a:round/>
+                      <a:headEnd type="none" w="med" len="med"/>
+                      <a:tailEnd type="none" w="med" len="med"/>
+                    </a:lnT>
+                    <a:lnB w="12700" cap="flat" cmpd="sng" algn="ctr">
+                      <a:solidFill>
+                        <a:schemeClr val="tx1"/>
+                      </a:solidFill>
+                      <a:prstDash val="solid"/>
+                      <a:round/>
+                      <a:headEnd type="none" w="med" len="med"/>
+                      <a:tailEnd type="none" w="med" len="med"/>
+                    </a:lnB>
+                    <a:solidFill>
+                      <a:schemeClr val="accent6">
+                        <a:lumMod val="20000"/>
+                        <a:lumOff val="80000"/>
+                      </a:schemeClr>
+                    </a:solidFill>
+                  </a:tcPr>
+                </a:tc>
+                <a:extLst>
+                  <a:ext uri="{0D108BD9-81ED-4DB2-BD59-A6C34878D82A}">
+                    <a16:rowId xmlns:a16="http://schemas.microsoft.com/office/drawing/2014/main" val="2206096898"/>
+                  </a:ext>
+                </a:extLst>
+              </a:tr>
+              <a:tr h="500154">
+                <a:tc>
+                  <a:txBody>
+                    <a:bodyPr/>
+                    <a:lstStyle/>
+                    <a:p>
+                      <a:pPr>
+                        <a:buNone/>
+                      </a:pPr>
+                      <a:r>
+                        <a:rPr lang="en-GB" sz="1600" b="1"/>
+                        <a:t>Creation Method</a:t>
+                      </a:r>
+                      <a:endParaRPr lang="en-GB" sz="1600"/>
+                    </a:p>
+                  </a:txBody>
+                  <a:tcPr marL="50015" marR="50015" marT="25008" marB="25008" anchor="ctr">
+                    <a:lnL w="12700" cap="flat" cmpd="sng" algn="ctr">
+                      <a:solidFill>
+                        <a:schemeClr val="tx1"/>
+                      </a:solidFill>
+                      <a:prstDash val="solid"/>
+                      <a:round/>
+                      <a:headEnd type="none" w="med" len="med"/>
+                      <a:tailEnd type="none" w="med" len="med"/>
+                    </a:lnL>
+                    <a:lnR w="12700" cap="flat" cmpd="sng" algn="ctr">
+                      <a:solidFill>
+                        <a:schemeClr val="tx1"/>
+                      </a:solidFill>
+                      <a:prstDash val="solid"/>
+                      <a:round/>
+                      <a:headEnd type="none" w="med" len="med"/>
+                      <a:tailEnd type="none" w="med" len="med"/>
+                    </a:lnR>
+                    <a:lnT w="12700" cap="flat" cmpd="sng" algn="ctr">
+                      <a:solidFill>
+                        <a:schemeClr val="tx1"/>
+                      </a:solidFill>
+                      <a:prstDash val="solid"/>
+                      <a:round/>
+                      <a:headEnd type="none" w="med" len="med"/>
+                      <a:tailEnd type="none" w="med" len="med"/>
+                    </a:lnT>
+                    <a:lnB w="12700" cap="flat" cmpd="sng" algn="ctr">
+                      <a:solidFill>
+                        <a:schemeClr val="tx1"/>
+                      </a:solidFill>
+                      <a:prstDash val="solid"/>
+                      <a:round/>
+                      <a:headEnd type="none" w="med" len="med"/>
+                      <a:tailEnd type="none" w="med" len="med"/>
+                    </a:lnB>
+                    <a:solidFill>
+                      <a:schemeClr val="accent6">
+                        <a:lumMod val="20000"/>
+                        <a:lumOff val="80000"/>
+                      </a:schemeClr>
+                    </a:solidFill>
+                  </a:tcPr>
+                </a:tc>
+                <a:tc>
+                  <a:txBody>
+                    <a:bodyPr/>
+                    <a:lstStyle/>
+                    <a:p>
+                      <a:pPr>
+                        <a:buNone/>
+                      </a:pPr>
+                      <a:r>
+                        <a:rPr lang="en-US" sz="1600" dirty="0"/>
+                        <a:t>Created using the </a:t>
+                      </a:r>
+                      <a:r>
+                        <a:rPr lang="en-US" sz="1600" dirty="0">
+                          <a:latin typeface="Courier New" panose="02070309020205020404" pitchFamily="49" charset="0"/>
+                        </a:rPr>
+                        <a:t>handoff()</a:t>
+                      </a:r>
+                      <a:r>
+                        <a:rPr lang="en-US" sz="1600" dirty="0"/>
+                        <a:t> function provided by the Agents SDK</a:t>
+                      </a:r>
+                    </a:p>
+                  </a:txBody>
+                  <a:tcPr marL="50015" marR="50015" marT="25008" marB="25008" anchor="ctr">
+                    <a:lnL w="12700" cap="flat" cmpd="sng" algn="ctr">
+                      <a:solidFill>
+                        <a:schemeClr val="tx1"/>
+                      </a:solidFill>
+                      <a:prstDash val="solid"/>
+                      <a:round/>
+                      <a:headEnd type="none" w="med" len="med"/>
+                      <a:tailEnd type="none" w="med" len="med"/>
+                    </a:lnL>
+                    <a:lnR w="12700" cap="flat" cmpd="sng" algn="ctr">
+                      <a:solidFill>
+                        <a:schemeClr val="tx1"/>
+                      </a:solidFill>
+                      <a:prstDash val="solid"/>
+                      <a:round/>
+                      <a:headEnd type="none" w="med" len="med"/>
+                      <a:tailEnd type="none" w="med" len="med"/>
+                    </a:lnR>
+                    <a:lnT w="12700" cap="flat" cmpd="sng" algn="ctr">
+                      <a:solidFill>
+                        <a:schemeClr val="tx1"/>
+                      </a:solidFill>
+                      <a:prstDash val="solid"/>
+                      <a:round/>
+                      <a:headEnd type="none" w="med" len="med"/>
+                      <a:tailEnd type="none" w="med" len="med"/>
+                    </a:lnT>
+                    <a:lnB w="12700" cap="flat" cmpd="sng" algn="ctr">
+                      <a:solidFill>
+                        <a:schemeClr val="tx1"/>
+                      </a:solidFill>
+                      <a:prstDash val="solid"/>
+                      <a:round/>
+                      <a:headEnd type="none" w="med" len="med"/>
+                      <a:tailEnd type="none" w="med" len="med"/>
+                    </a:lnB>
+                    <a:solidFill>
+                      <a:schemeClr val="accent6">
+                        <a:lumMod val="20000"/>
+                        <a:lumOff val="80000"/>
+                      </a:schemeClr>
+                    </a:solidFill>
+                  </a:tcPr>
+                </a:tc>
+                <a:tc>
+                  <a:txBody>
+                    <a:bodyPr/>
+                    <a:lstStyle/>
+                    <a:p>
+                      <a:pPr>
+                        <a:buNone/>
+                      </a:pPr>
+                      <a:r>
+                        <a:rPr lang="en-US" sz="1600"/>
+                        <a:t>Example: </a:t>
+                      </a:r>
+                      <a:r>
+                        <a:rPr lang="en-US" sz="1600">
+                          <a:latin typeface="Courier New" panose="02070309020205020404" pitchFamily="49" charset="0"/>
+                        </a:rPr>
+                        <a:t>refund_handoff = handoff(to="RefundAgent")</a:t>
+                      </a:r>
+                      <a:endParaRPr lang="en-US" sz="1600"/>
+                    </a:p>
+                  </a:txBody>
+                  <a:tcPr marL="50015" marR="50015" marT="25008" marB="25008" anchor="ctr">
+                    <a:lnL w="12700" cap="flat" cmpd="sng" algn="ctr">
+                      <a:solidFill>
+                        <a:schemeClr val="tx1"/>
+                      </a:solidFill>
+                      <a:prstDash val="solid"/>
+                      <a:round/>
+                      <a:headEnd type="none" w="med" len="med"/>
+                      <a:tailEnd type="none" w="med" len="med"/>
+                    </a:lnL>
+                    <a:lnR w="12700" cap="flat" cmpd="sng" algn="ctr">
+                      <a:solidFill>
+                        <a:schemeClr val="tx1"/>
+                      </a:solidFill>
+                      <a:prstDash val="solid"/>
+                      <a:round/>
+                      <a:headEnd type="none" w="med" len="med"/>
+                      <a:tailEnd type="none" w="med" len="med"/>
+                    </a:lnR>
+                    <a:lnT w="12700" cap="flat" cmpd="sng" algn="ctr">
+                      <a:solidFill>
+                        <a:schemeClr val="tx1"/>
+                      </a:solidFill>
+                      <a:prstDash val="solid"/>
+                      <a:round/>
+                      <a:headEnd type="none" w="med" len="med"/>
+                      <a:tailEnd type="none" w="med" len="med"/>
+                    </a:lnT>
+                    <a:lnB w="12700" cap="flat" cmpd="sng" algn="ctr">
+                      <a:solidFill>
+                        <a:schemeClr val="tx1"/>
+                      </a:solidFill>
+                      <a:prstDash val="solid"/>
+                      <a:round/>
+                      <a:headEnd type="none" w="med" len="med"/>
+                      <a:tailEnd type="none" w="med" len="med"/>
+                    </a:lnB>
+                    <a:solidFill>
+                      <a:schemeClr val="accent6">
+                        <a:lumMod val="20000"/>
+                        <a:lumOff val="80000"/>
+                      </a:schemeClr>
+                    </a:solidFill>
+                  </a:tcPr>
+                </a:tc>
+                <a:extLst>
+                  <a:ext uri="{0D108BD9-81ED-4DB2-BD59-A6C34878D82A}">
+                    <a16:rowId xmlns:a16="http://schemas.microsoft.com/office/drawing/2014/main" val="1051902431"/>
+                  </a:ext>
+                </a:extLst>
+              </a:tr>
+              <a:tr h="500154">
+                <a:tc>
+                  <a:txBody>
+                    <a:bodyPr/>
+                    <a:lstStyle/>
+                    <a:p>
+                      <a:pPr>
+                        <a:buNone/>
+                      </a:pPr>
+                      <a:r>
+                        <a:rPr lang="en-GB" sz="1600" b="1"/>
+                        <a:t>Customization</a:t>
+                      </a:r>
+                      <a:endParaRPr lang="en-GB" sz="1600"/>
+                    </a:p>
+                  </a:txBody>
+                  <a:tcPr marL="50015" marR="50015" marT="25008" marB="25008" anchor="ctr">
+                    <a:lnL w="12700" cap="flat" cmpd="sng" algn="ctr">
+                      <a:solidFill>
+                        <a:schemeClr val="tx1"/>
+                      </a:solidFill>
+                      <a:prstDash val="solid"/>
+                      <a:round/>
+                      <a:headEnd type="none" w="med" len="med"/>
+                      <a:tailEnd type="none" w="med" len="med"/>
+                    </a:lnL>
+                    <a:lnR w="12700" cap="flat" cmpd="sng" algn="ctr">
+                      <a:solidFill>
+                        <a:schemeClr val="tx1"/>
+                      </a:solidFill>
+                      <a:prstDash val="solid"/>
+                      <a:round/>
+                      <a:headEnd type="none" w="med" len="med"/>
+                      <a:tailEnd type="none" w="med" len="med"/>
+                    </a:lnR>
+                    <a:lnT w="12700" cap="flat" cmpd="sng" algn="ctr">
+                      <a:solidFill>
+                        <a:schemeClr val="tx1"/>
+                      </a:solidFill>
+                      <a:prstDash val="solid"/>
+                      <a:round/>
+                      <a:headEnd type="none" w="med" len="med"/>
+                      <a:tailEnd type="none" w="med" len="med"/>
+                    </a:lnT>
+                    <a:lnB w="12700" cap="flat" cmpd="sng" algn="ctr">
+                      <a:solidFill>
+                        <a:schemeClr val="tx1"/>
+                      </a:solidFill>
+                      <a:prstDash val="solid"/>
+                      <a:round/>
+                      <a:headEnd type="none" w="med" len="med"/>
+                      <a:tailEnd type="none" w="med" len="med"/>
+                    </a:lnB>
+                    <a:solidFill>
+                      <a:schemeClr val="accent6">
+                        <a:lumMod val="20000"/>
+                        <a:lumOff val="80000"/>
+                      </a:schemeClr>
+                    </a:solidFill>
+                  </a:tcPr>
+                </a:tc>
+                <a:tc>
+                  <a:txBody>
+                    <a:bodyPr/>
+                    <a:lstStyle/>
+                    <a:p>
+                      <a:pPr>
+                        <a:buNone/>
+                      </a:pPr>
+                      <a:r>
+                        <a:rPr lang="en-US" sz="1600" dirty="0"/>
+                        <a:t>The </a:t>
+                      </a:r>
+                      <a:r>
+                        <a:rPr lang="en-US" sz="1600" dirty="0">
+                          <a:latin typeface="Courier New" panose="02070309020205020404" pitchFamily="49" charset="0"/>
+                        </a:rPr>
+                        <a:t>Handoff</a:t>
+                      </a:r>
+                      <a:r>
+                        <a:rPr lang="en-US" sz="1600" dirty="0"/>
+                        <a:t> object can include metadata or conditions controlling when to perform the handoff</a:t>
+                      </a:r>
+                    </a:p>
+                  </a:txBody>
+                  <a:tcPr marL="50015" marR="50015" marT="25008" marB="25008" anchor="ctr">
+                    <a:lnL w="12700" cap="flat" cmpd="sng" algn="ctr">
+                      <a:solidFill>
+                        <a:schemeClr val="tx1"/>
+                      </a:solidFill>
+                      <a:prstDash val="solid"/>
+                      <a:round/>
+                      <a:headEnd type="none" w="med" len="med"/>
+                      <a:tailEnd type="none" w="med" len="med"/>
+                    </a:lnL>
+                    <a:lnR w="12700" cap="flat" cmpd="sng" algn="ctr">
+                      <a:solidFill>
+                        <a:schemeClr val="tx1"/>
+                      </a:solidFill>
+                      <a:prstDash val="solid"/>
+                      <a:round/>
+                      <a:headEnd type="none" w="med" len="med"/>
+                      <a:tailEnd type="none" w="med" len="med"/>
+                    </a:lnR>
+                    <a:lnT w="12700" cap="flat" cmpd="sng" algn="ctr">
+                      <a:solidFill>
+                        <a:schemeClr val="tx1"/>
+                      </a:solidFill>
+                      <a:prstDash val="solid"/>
+                      <a:round/>
+                      <a:headEnd type="none" w="med" len="med"/>
+                      <a:tailEnd type="none" w="med" len="med"/>
+                    </a:lnT>
+                    <a:lnB w="12700" cap="flat" cmpd="sng" algn="ctr">
+                      <a:solidFill>
+                        <a:schemeClr val="tx1"/>
+                      </a:solidFill>
+                      <a:prstDash val="solid"/>
+                      <a:round/>
+                      <a:headEnd type="none" w="med" len="med"/>
+                      <a:tailEnd type="none" w="med" len="med"/>
+                    </a:lnB>
+                    <a:solidFill>
+                      <a:schemeClr val="accent6">
+                        <a:lumMod val="20000"/>
+                        <a:lumOff val="80000"/>
+                      </a:schemeClr>
+                    </a:solidFill>
+                  </a:tcPr>
+                </a:tc>
+                <a:tc>
+                  <a:txBody>
+                    <a:bodyPr/>
+                    <a:lstStyle/>
+                    <a:p>
+                      <a:pPr>
+                        <a:buNone/>
+                      </a:pPr>
+                      <a:r>
+                        <a:rPr lang="en-US" sz="1600"/>
+                        <a:t>E.g., </a:t>
+                      </a:r>
+                      <a:r>
+                        <a:rPr lang="en-US" sz="1600">
+                          <a:latin typeface="Courier New" panose="02070309020205020404" pitchFamily="49" charset="0"/>
+                        </a:rPr>
+                        <a:t>handoff(condition="refund_request_detected")</a:t>
+                      </a:r>
+                      <a:endParaRPr lang="en-US" sz="1600"/>
+                    </a:p>
+                  </a:txBody>
+                  <a:tcPr marL="50015" marR="50015" marT="25008" marB="25008" anchor="ctr">
+                    <a:lnL w="12700" cap="flat" cmpd="sng" algn="ctr">
+                      <a:solidFill>
+                        <a:schemeClr val="tx1"/>
+                      </a:solidFill>
+                      <a:prstDash val="solid"/>
+                      <a:round/>
+                      <a:headEnd type="none" w="med" len="med"/>
+                      <a:tailEnd type="none" w="med" len="med"/>
+                    </a:lnL>
+                    <a:lnR w="12700" cap="flat" cmpd="sng" algn="ctr">
+                      <a:solidFill>
+                        <a:schemeClr val="tx1"/>
+                      </a:solidFill>
+                      <a:prstDash val="solid"/>
+                      <a:round/>
+                      <a:headEnd type="none" w="med" len="med"/>
+                      <a:tailEnd type="none" w="med" len="med"/>
+                    </a:lnR>
+                    <a:lnT w="12700" cap="flat" cmpd="sng" algn="ctr">
+                      <a:solidFill>
+                        <a:schemeClr val="tx1"/>
+                      </a:solidFill>
+                      <a:prstDash val="solid"/>
+                      <a:round/>
+                      <a:headEnd type="none" w="med" len="med"/>
+                      <a:tailEnd type="none" w="med" len="med"/>
+                    </a:lnT>
+                    <a:lnB w="12700" cap="flat" cmpd="sng" algn="ctr">
+                      <a:solidFill>
+                        <a:schemeClr val="tx1"/>
+                      </a:solidFill>
+                      <a:prstDash val="solid"/>
+                      <a:round/>
+                      <a:headEnd type="none" w="med" len="med"/>
+                      <a:tailEnd type="none" w="med" len="med"/>
+                    </a:lnB>
+                    <a:solidFill>
+                      <a:schemeClr val="accent6">
+                        <a:lumMod val="20000"/>
+                        <a:lumOff val="80000"/>
+                      </a:schemeClr>
+                    </a:solidFill>
+                  </a:tcPr>
+                </a:tc>
+                <a:extLst>
+                  <a:ext uri="{0D108BD9-81ED-4DB2-BD59-A6C34878D82A}">
+                    <a16:rowId xmlns:a16="http://schemas.microsoft.com/office/drawing/2014/main" val="65059936"/>
+                  </a:ext>
+                </a:extLst>
+              </a:tr>
+              <a:tr h="500154">
+                <a:tc>
+                  <a:txBody>
+                    <a:bodyPr/>
+                    <a:lstStyle/>
+                    <a:p>
+                      <a:pPr>
+                        <a:buNone/>
+                      </a:pPr>
+                      <a:r>
+                        <a:rPr lang="en-GB" sz="1600" b="1"/>
+                        <a:t>Result of Handoff</a:t>
+                      </a:r>
+                      <a:endParaRPr lang="en-GB" sz="1600"/>
+                    </a:p>
+                  </a:txBody>
+                  <a:tcPr marL="50015" marR="50015" marT="25008" marB="25008" anchor="ctr">
+                    <a:lnL w="12700" cap="flat" cmpd="sng" algn="ctr">
+                      <a:solidFill>
+                        <a:schemeClr val="tx1"/>
+                      </a:solidFill>
+                      <a:prstDash val="solid"/>
+                      <a:round/>
+                      <a:headEnd type="none" w="med" len="med"/>
+                      <a:tailEnd type="none" w="med" len="med"/>
+                    </a:lnL>
+                    <a:lnR w="12700" cap="flat" cmpd="sng" algn="ctr">
+                      <a:solidFill>
+                        <a:schemeClr val="tx1"/>
+                      </a:solidFill>
+                      <a:prstDash val="solid"/>
+                      <a:round/>
+                      <a:headEnd type="none" w="med" len="med"/>
+                      <a:tailEnd type="none" w="med" len="med"/>
+                    </a:lnR>
+                    <a:lnT w="12700" cap="flat" cmpd="sng" algn="ctr">
+                      <a:solidFill>
+                        <a:schemeClr val="tx1"/>
+                      </a:solidFill>
+                      <a:prstDash val="solid"/>
+                      <a:round/>
+                      <a:headEnd type="none" w="med" len="med"/>
+                      <a:tailEnd type="none" w="med" len="med"/>
+                    </a:lnT>
+                    <a:lnB w="12700" cap="flat" cmpd="sng" algn="ctr">
+                      <a:solidFill>
+                        <a:schemeClr val="tx1"/>
+                      </a:solidFill>
+                      <a:prstDash val="solid"/>
+                      <a:round/>
+                      <a:headEnd type="none" w="med" len="med"/>
+                      <a:tailEnd type="none" w="med" len="med"/>
+                    </a:lnB>
+                    <a:solidFill>
+                      <a:schemeClr val="accent6">
+                        <a:lumMod val="20000"/>
+                        <a:lumOff val="80000"/>
+                      </a:schemeClr>
+                    </a:solidFill>
+                  </a:tcPr>
+                </a:tc>
+                <a:tc>
+                  <a:txBody>
+                    <a:bodyPr/>
+                    <a:lstStyle/>
+                    <a:p>
+                      <a:pPr>
+                        <a:buNone/>
+                      </a:pPr>
+                      <a:r>
+                        <a:rPr lang="en-US" sz="1600" dirty="0"/>
+                        <a:t>The system calls a specific tool/function to execute the transfer</a:t>
+                      </a:r>
+                    </a:p>
+                  </a:txBody>
+                  <a:tcPr marL="50015" marR="50015" marT="25008" marB="25008" anchor="ctr">
+                    <a:lnL w="12700" cap="flat" cmpd="sng" algn="ctr">
+                      <a:solidFill>
+                        <a:schemeClr val="tx1"/>
+                      </a:solidFill>
+                      <a:prstDash val="solid"/>
+                      <a:round/>
+                      <a:headEnd type="none" w="med" len="med"/>
+                      <a:tailEnd type="none" w="med" len="med"/>
+                    </a:lnL>
+                    <a:lnR w="12700" cap="flat" cmpd="sng" algn="ctr">
+                      <a:solidFill>
+                        <a:schemeClr val="tx1"/>
+                      </a:solidFill>
+                      <a:prstDash val="solid"/>
+                      <a:round/>
+                      <a:headEnd type="none" w="med" len="med"/>
+                      <a:tailEnd type="none" w="med" len="med"/>
+                    </a:lnR>
+                    <a:lnT w="12700" cap="flat" cmpd="sng" algn="ctr">
+                      <a:solidFill>
+                        <a:schemeClr val="tx1"/>
+                      </a:solidFill>
+                      <a:prstDash val="solid"/>
+                      <a:round/>
+                      <a:headEnd type="none" w="med" len="med"/>
+                      <a:tailEnd type="none" w="med" len="med"/>
+                    </a:lnT>
+                    <a:lnB w="12700" cap="flat" cmpd="sng" algn="ctr">
+                      <a:solidFill>
+                        <a:schemeClr val="tx1"/>
+                      </a:solidFill>
+                      <a:prstDash val="solid"/>
+                      <a:round/>
+                      <a:headEnd type="none" w="med" len="med"/>
+                      <a:tailEnd type="none" w="med" len="med"/>
+                    </a:lnB>
+                    <a:solidFill>
+                      <a:schemeClr val="accent6">
+                        <a:lumMod val="20000"/>
+                        <a:lumOff val="80000"/>
+                      </a:schemeClr>
+                    </a:solidFill>
+                  </a:tcPr>
+                </a:tc>
+                <a:tc>
+                  <a:txBody>
+                    <a:bodyPr/>
+                    <a:lstStyle/>
+                    <a:p>
+                      <a:pPr>
+                        <a:buNone/>
+                      </a:pPr>
+                      <a:r>
+                        <a:rPr lang="en-US" sz="1600" dirty="0" err="1">
+                          <a:latin typeface="Courier New" panose="02070309020205020404" pitchFamily="49" charset="0"/>
+                        </a:rPr>
+                        <a:t>transfer_to_refund_agent</a:t>
+                      </a:r>
+                      <a:r>
+                        <a:rPr lang="en-US" sz="1600" dirty="0">
+                          <a:latin typeface="Courier New" panose="02070309020205020404" pitchFamily="49" charset="0"/>
+                        </a:rPr>
+                        <a:t>()</a:t>
+                      </a:r>
+                      <a:r>
+                        <a:rPr lang="en-US" sz="1600" dirty="0"/>
+                        <a:t> is invoked automatically</a:t>
+                      </a:r>
+                    </a:p>
+                  </a:txBody>
+                  <a:tcPr marL="50015" marR="50015" marT="25008" marB="25008" anchor="ctr">
+                    <a:lnL w="12700" cap="flat" cmpd="sng" algn="ctr">
+                      <a:solidFill>
+                        <a:schemeClr val="tx1"/>
+                      </a:solidFill>
+                      <a:prstDash val="solid"/>
+                      <a:round/>
+                      <a:headEnd type="none" w="med" len="med"/>
+                      <a:tailEnd type="none" w="med" len="med"/>
+                    </a:lnL>
+                    <a:lnR w="12700" cap="flat" cmpd="sng" algn="ctr">
+                      <a:solidFill>
+                        <a:schemeClr val="tx1"/>
+                      </a:solidFill>
+                      <a:prstDash val="solid"/>
+                      <a:round/>
+                      <a:headEnd type="none" w="med" len="med"/>
+                      <a:tailEnd type="none" w="med" len="med"/>
+                    </a:lnR>
+                    <a:lnT w="12700" cap="flat" cmpd="sng" algn="ctr">
+                      <a:solidFill>
+                        <a:schemeClr val="tx1"/>
+                      </a:solidFill>
+                      <a:prstDash val="solid"/>
+                      <a:round/>
+                      <a:headEnd type="none" w="med" len="med"/>
+                      <a:tailEnd type="none" w="med" len="med"/>
+                    </a:lnT>
+                    <a:lnB w="12700" cap="flat" cmpd="sng" algn="ctr">
+                      <a:solidFill>
+                        <a:schemeClr val="tx1"/>
+                      </a:solidFill>
+                      <a:prstDash val="solid"/>
+                      <a:round/>
+                      <a:headEnd type="none" w="med" len="med"/>
+                      <a:tailEnd type="none" w="med" len="med"/>
+                    </a:lnB>
+                    <a:solidFill>
+                      <a:schemeClr val="accent6">
+                        <a:lumMod val="20000"/>
+                        <a:lumOff val="80000"/>
+                      </a:schemeClr>
+                    </a:solidFill>
+                  </a:tcPr>
+                </a:tc>
+                <a:extLst>
+                  <a:ext uri="{0D108BD9-81ED-4DB2-BD59-A6C34878D82A}">
+                    <a16:rowId xmlns:a16="http://schemas.microsoft.com/office/drawing/2014/main" val="2283637755"/>
+                  </a:ext>
+                </a:extLst>
+              </a:tr>
+            </a:tbl>
+          </a:graphicData>
+        </a:graphic>
+      </p:graphicFrame>
+    </p:spTree>
+    <p:extLst>
+      <p:ext uri="{BB962C8B-B14F-4D97-AF65-F5344CB8AC3E}">
+        <p14:creationId xmlns:p14="http://schemas.microsoft.com/office/powerpoint/2010/main" val="3044796824"/>
+      </p:ext>
+    </p:extLst>
+  </p:cSld>
+  <p:clrMapOvr>
+    <a:masterClrMapping/>
+  </p:clrMapOvr>
+</p:sld>
+</file>
+
+<file path=ppt/slides/slide25.xml><?xml version="1.0" encoding="utf-8"?>
+<p:sld xmlns:a="http://schemas.openxmlformats.org/drawingml/2006/main" xmlns:r="http://schemas.openxmlformats.org/officeDocument/2006/relationships" xmlns:p="http://schemas.openxmlformats.org/presentationml/2006/main">
+  <p:cSld>
+    <p:spTree>
+      <p:nvGrpSpPr>
+        <p:cNvPr id="1" name=""/>
+        <p:cNvGrpSpPr/>
+        <p:nvPr/>
+      </p:nvGrpSpPr>
+      <p:grpSpPr>
+        <a:xfrm>
+          <a:off x="0" y="0"/>
+          <a:ext cx="0" cy="0"/>
+          <a:chOff x="0" y="0"/>
+          <a:chExt cx="0" cy="0"/>
+        </a:xfrm>
+      </p:grpSpPr>
+      <p:sp>
+        <p:nvSpPr>
+          <p:cNvPr id="2" name="Title 1">
+            <a:extLst>
+              <a:ext uri="{FF2B5EF4-FFF2-40B4-BE49-F238E27FC236}">
+                <a16:creationId xmlns:a16="http://schemas.microsoft.com/office/drawing/2014/main" id="{A70B65D0-0B74-B531-4FE9-2BEBF902C897}"/>
+              </a:ext>
+            </a:extLst>
+          </p:cNvPr>
+          <p:cNvSpPr>
+            <a:spLocks noGrp="1"/>
+          </p:cNvSpPr>
+          <p:nvPr>
+            <p:ph type="title"/>
+          </p:nvPr>
+        </p:nvSpPr>
+        <p:spPr/>
+        <p:txBody>
+          <a:bodyPr/>
+          <a:lstStyle/>
+          <a:p>
+            <a:r>
+              <a:rPr lang="en-IN" dirty="0"/>
+              <a:t>Simple Handoffs Example</a:t>
+            </a:r>
+            <a:endParaRPr lang="en-GB" dirty="0"/>
+          </a:p>
+        </p:txBody>
+      </p:sp>
+      <p:sp>
+        <p:nvSpPr>
+          <p:cNvPr id="3" name="Content Placeholder 2">
+            <a:extLst>
+              <a:ext uri="{FF2B5EF4-FFF2-40B4-BE49-F238E27FC236}">
+                <a16:creationId xmlns:a16="http://schemas.microsoft.com/office/drawing/2014/main" id="{49207B86-2360-2295-A889-A8C5ED207171}"/>
+              </a:ext>
+            </a:extLst>
+          </p:cNvPr>
+          <p:cNvSpPr>
+            <a:spLocks noGrp="1"/>
+          </p:cNvSpPr>
+          <p:nvPr>
+            <p:ph idx="1"/>
+          </p:nvPr>
+        </p:nvSpPr>
+        <p:spPr/>
+        <p:txBody>
+          <a:bodyPr/>
+          <a:lstStyle/>
+          <a:p>
+            <a:r>
+              <a:rPr lang="en-US" dirty="0"/>
+              <a:t>from agents import Agent, handoff</a:t>
+            </a:r>
+          </a:p>
+          <a:p>
+            <a:endParaRPr lang="en-US" dirty="0"/>
+          </a:p>
+          <a:p>
+            <a:r>
+              <a:rPr lang="en-US" dirty="0" err="1"/>
+              <a:t>billing_agent</a:t>
+            </a:r>
+            <a:r>
+              <a:rPr lang="en-US" dirty="0"/>
+              <a:t> = Agent(name="Billing agent")</a:t>
+            </a:r>
+          </a:p>
+          <a:p>
+            <a:r>
+              <a:rPr lang="en-US" dirty="0" err="1"/>
+              <a:t>refund_agent</a:t>
+            </a:r>
+            <a:r>
+              <a:rPr lang="en-US" dirty="0"/>
+              <a:t> = Agent(name="Refund agent")</a:t>
+            </a:r>
+          </a:p>
+          <a:p>
+            <a:endParaRPr lang="en-US" dirty="0"/>
+          </a:p>
+          <a:p>
+            <a:r>
+              <a:rPr lang="en-US" dirty="0" err="1"/>
+              <a:t>triage_agent</a:t>
+            </a:r>
+            <a:r>
+              <a:rPr lang="en-US" dirty="0"/>
+              <a:t> = Agent(name="Triage agent", handoffs=[</a:t>
+            </a:r>
+            <a:r>
+              <a:rPr lang="en-US" dirty="0" err="1"/>
+              <a:t>billing_agent</a:t>
+            </a:r>
+            <a:r>
+              <a:rPr lang="en-US" dirty="0"/>
+              <a:t>, handoff(</a:t>
+            </a:r>
+            <a:r>
+              <a:rPr lang="en-US" dirty="0" err="1"/>
+              <a:t>refund_agent</a:t>
+            </a:r>
+            <a:r>
+              <a:rPr lang="en-US" dirty="0"/>
+              <a:t>)])</a:t>
+            </a:r>
+            <a:endParaRPr lang="en-GB" dirty="0"/>
+          </a:p>
+        </p:txBody>
+      </p:sp>
+    </p:spTree>
+    <p:extLst>
+      <p:ext uri="{BB962C8B-B14F-4D97-AF65-F5344CB8AC3E}">
+        <p14:creationId xmlns:p14="http://schemas.microsoft.com/office/powerpoint/2010/main" val="907166997"/>
+      </p:ext>
+    </p:extLst>
+  </p:cSld>
+  <p:clrMapOvr>
+    <a:masterClrMapping/>
+  </p:clrMapOvr>
+</p:sld>
+</file>
+
+<file path=ppt/slides/slide26.xml><?xml version="1.0" encoding="utf-8"?>
+<p:sld xmlns:a="http://schemas.openxmlformats.org/drawingml/2006/main" xmlns:r="http://schemas.openxmlformats.org/officeDocument/2006/relationships" xmlns:p="http://schemas.openxmlformats.org/presentationml/2006/main">
+  <p:cSld>
+    <p:spTree>
+      <p:nvGrpSpPr>
+        <p:cNvPr id="1" name=""/>
+        <p:cNvGrpSpPr/>
+        <p:nvPr/>
+      </p:nvGrpSpPr>
+      <p:grpSpPr>
+        <a:xfrm>
+          <a:off x="0" y="0"/>
+          <a:ext cx="0" cy="0"/>
+          <a:chOff x="0" y="0"/>
+          <a:chExt cx="0" cy="0"/>
+        </a:xfrm>
+      </p:grpSpPr>
+      <p:sp>
+        <p:nvSpPr>
+          <p:cNvPr id="2" name="Title 1">
+            <a:extLst>
+              <a:ext uri="{FF2B5EF4-FFF2-40B4-BE49-F238E27FC236}">
+                <a16:creationId xmlns:a16="http://schemas.microsoft.com/office/drawing/2014/main" id="{2F7DE3E2-60ED-D112-1C41-4C4EA337B878}"/>
+              </a:ext>
+            </a:extLst>
+          </p:cNvPr>
+          <p:cNvSpPr>
+            <a:spLocks noGrp="1"/>
+          </p:cNvSpPr>
+          <p:nvPr>
+            <p:ph type="title"/>
+          </p:nvPr>
+        </p:nvSpPr>
+        <p:spPr/>
+        <p:txBody>
+          <a:bodyPr>
+            <a:noAutofit/>
+          </a:bodyPr>
+          <a:lstStyle/>
+          <a:p>
+            <a:r>
+              <a:rPr lang="en-IN" sz="3200" dirty="0"/>
+              <a:t>Handoff Example – First Vectorize Customer Service Data (Run this code: </a:t>
+            </a:r>
+            <a:r>
+              <a:rPr lang="en-US" sz="3200" dirty="0"/>
+              <a:t>2_openai_agent_customer_embeddings_creation.py)</a:t>
+            </a:r>
+            <a:endParaRPr lang="en-GB" sz="3200" dirty="0"/>
+          </a:p>
+        </p:txBody>
+      </p:sp>
+      <p:sp>
+        <p:nvSpPr>
+          <p:cNvPr id="3" name="Content Placeholder 2">
+            <a:extLst>
+              <a:ext uri="{FF2B5EF4-FFF2-40B4-BE49-F238E27FC236}">
+                <a16:creationId xmlns:a16="http://schemas.microsoft.com/office/drawing/2014/main" id="{B2A53AA6-9279-8B88-127A-82533EDED52D}"/>
+              </a:ext>
+            </a:extLst>
+          </p:cNvPr>
+          <p:cNvSpPr>
+            <a:spLocks noGrp="1"/>
+          </p:cNvSpPr>
+          <p:nvPr>
+            <p:ph idx="1"/>
+          </p:nvPr>
+        </p:nvSpPr>
+        <p:spPr/>
+        <p:txBody>
+          <a:bodyPr>
+            <a:normAutofit fontScale="62500" lnSpcReduction="20000"/>
+          </a:bodyPr>
+          <a:lstStyle/>
+          <a:p>
+            <a:r>
+              <a:rPr lang="en-IN" dirty="0"/>
+              <a:t>Dataset link: </a:t>
+            </a:r>
+            <a:r>
+              <a:rPr lang="en-IN" dirty="0">
+                <a:hlinkClick r:id="rId2"/>
+              </a:rPr>
+              <a:t>https://www.kaggle.com/datasets/bitext/training-dataset-for-chatbotsvirtual-assistants</a:t>
+            </a:r>
+            <a:endParaRPr lang="en-IN" dirty="0"/>
+          </a:p>
+          <a:p>
+            <a:r>
+              <a:rPr lang="en-IN" dirty="0"/>
+              <a:t>Within this, dataset 20000-Utterances-Training-dataset-for-chatbots-virtual-assistant-Bitext-sample.csv</a:t>
+            </a:r>
+          </a:p>
+          <a:p>
+            <a:r>
+              <a:rPr lang="en-IN" dirty="0"/>
+              <a:t>Create embeddings using Hugging Face Sentence Transformer (</a:t>
+            </a:r>
+          </a:p>
+          <a:p>
+            <a:pPr marL="0" indent="0">
+              <a:buNone/>
+            </a:pPr>
+            <a:endParaRPr lang="en-US" sz="2300" dirty="0">
+              <a:latin typeface="Cascadia Code" panose="020B0609020000020004" pitchFamily="49" charset="0"/>
+              <a:cs typeface="Cascadia Code" panose="020B0609020000020004" pitchFamily="49" charset="0"/>
+            </a:endParaRPr>
+          </a:p>
+          <a:p>
+            <a:pPr marL="0" indent="0">
+              <a:buNone/>
+            </a:pPr>
+            <a:r>
+              <a:rPr lang="en-US" sz="2300" dirty="0" err="1">
+                <a:solidFill>
+                  <a:srgbClr val="FF0000"/>
+                </a:solidFill>
+                <a:latin typeface="Cascadia Code" panose="020B0609020000020004" pitchFamily="49" charset="0"/>
+                <a:cs typeface="Cascadia Code" panose="020B0609020000020004" pitchFamily="49" charset="0"/>
+              </a:rPr>
+              <a:t>utterance_embeddings</a:t>
+            </a:r>
+            <a:r>
+              <a:rPr lang="en-US" sz="2300" dirty="0">
+                <a:solidFill>
+                  <a:srgbClr val="FF0000"/>
+                </a:solidFill>
+                <a:latin typeface="Cascadia Code" panose="020B0609020000020004" pitchFamily="49" charset="0"/>
+                <a:cs typeface="Cascadia Code" panose="020B0609020000020004" pitchFamily="49" charset="0"/>
+              </a:rPr>
+              <a:t> = </a:t>
+            </a:r>
+            <a:r>
+              <a:rPr lang="en-US" sz="2300" dirty="0" err="1">
+                <a:solidFill>
+                  <a:srgbClr val="FF0000"/>
+                </a:solidFill>
+                <a:latin typeface="Cascadia Code" panose="020B0609020000020004" pitchFamily="49" charset="0"/>
+                <a:cs typeface="Cascadia Code" panose="020B0609020000020004" pitchFamily="49" charset="0"/>
+              </a:rPr>
+              <a:t>model.encode</a:t>
+            </a:r>
+            <a:r>
+              <a:rPr lang="en-US" sz="2300" dirty="0">
+                <a:solidFill>
+                  <a:srgbClr val="FF0000"/>
+                </a:solidFill>
+                <a:latin typeface="Cascadia Code" panose="020B0609020000020004" pitchFamily="49" charset="0"/>
+                <a:cs typeface="Cascadia Code" panose="020B0609020000020004" pitchFamily="49" charset="0"/>
+              </a:rPr>
+              <a:t>( # Tokenize each sentence into words</a:t>
+            </a:r>
+          </a:p>
+          <a:p>
+            <a:pPr marL="0" indent="0">
+              <a:buNone/>
+            </a:pPr>
+            <a:r>
+              <a:rPr lang="en-US" sz="2300" dirty="0">
+                <a:solidFill>
+                  <a:srgbClr val="FF0000"/>
+                </a:solidFill>
+                <a:latin typeface="Cascadia Code" panose="020B0609020000020004" pitchFamily="49" charset="0"/>
+                <a:cs typeface="Cascadia Code" panose="020B0609020000020004" pitchFamily="49" charset="0"/>
+              </a:rPr>
+              <a:t>        utterances, # List of strings to embed (after tokenization above)</a:t>
+            </a:r>
+          </a:p>
+          <a:p>
+            <a:pPr marL="0" indent="0">
+              <a:buNone/>
+            </a:pPr>
+            <a:r>
+              <a:rPr lang="en-US" sz="2300" dirty="0">
+                <a:solidFill>
+                  <a:srgbClr val="FF0000"/>
+                </a:solidFill>
+                <a:latin typeface="Cascadia Code" panose="020B0609020000020004" pitchFamily="49" charset="0"/>
+                <a:cs typeface="Cascadia Code" panose="020B0609020000020004" pitchFamily="49" charset="0"/>
+              </a:rPr>
+              <a:t>        </a:t>
+            </a:r>
+            <a:r>
+              <a:rPr lang="en-US" sz="2300" dirty="0" err="1">
+                <a:solidFill>
+                  <a:srgbClr val="FF0000"/>
+                </a:solidFill>
+                <a:latin typeface="Cascadia Code" panose="020B0609020000020004" pitchFamily="49" charset="0"/>
+                <a:cs typeface="Cascadia Code" panose="020B0609020000020004" pitchFamily="49" charset="0"/>
+              </a:rPr>
+              <a:t>convert_to_numpy</a:t>
+            </a:r>
+            <a:r>
+              <a:rPr lang="en-US" sz="2300" dirty="0">
+                <a:solidFill>
+                  <a:srgbClr val="FF0000"/>
+                </a:solidFill>
+                <a:latin typeface="Cascadia Code" panose="020B0609020000020004" pitchFamily="49" charset="0"/>
+                <a:cs typeface="Cascadia Code" panose="020B0609020000020004" pitchFamily="49" charset="0"/>
+              </a:rPr>
+              <a:t>=True, # Return embeddings as a </a:t>
+            </a:r>
+            <a:r>
+              <a:rPr lang="en-US" sz="2300" dirty="0" err="1">
+                <a:solidFill>
+                  <a:srgbClr val="FF0000"/>
+                </a:solidFill>
+                <a:latin typeface="Cascadia Code" panose="020B0609020000020004" pitchFamily="49" charset="0"/>
+                <a:cs typeface="Cascadia Code" panose="020B0609020000020004" pitchFamily="49" charset="0"/>
+              </a:rPr>
+              <a:t>numpy</a:t>
+            </a:r>
+            <a:r>
+              <a:rPr lang="en-US" sz="2300" dirty="0">
+                <a:solidFill>
+                  <a:srgbClr val="FF0000"/>
+                </a:solidFill>
+                <a:latin typeface="Cascadia Code" panose="020B0609020000020004" pitchFamily="49" charset="0"/>
+                <a:cs typeface="Cascadia Code" panose="020B0609020000020004" pitchFamily="49" charset="0"/>
+              </a:rPr>
+              <a:t> array instead of </a:t>
+            </a:r>
+            <a:r>
+              <a:rPr lang="en-US" sz="2300" dirty="0" err="1">
+                <a:solidFill>
+                  <a:srgbClr val="FF0000"/>
+                </a:solidFill>
+                <a:latin typeface="Cascadia Code" panose="020B0609020000020004" pitchFamily="49" charset="0"/>
+                <a:cs typeface="Cascadia Code" panose="020B0609020000020004" pitchFamily="49" charset="0"/>
+              </a:rPr>
+              <a:t>PyTorch</a:t>
+            </a:r>
+            <a:r>
+              <a:rPr lang="en-US" sz="2300" dirty="0">
+                <a:solidFill>
+                  <a:srgbClr val="FF0000"/>
+                </a:solidFill>
+                <a:latin typeface="Cascadia Code" panose="020B0609020000020004" pitchFamily="49" charset="0"/>
+                <a:cs typeface="Cascadia Code" panose="020B0609020000020004" pitchFamily="49" charset="0"/>
+              </a:rPr>
+              <a:t> tensor to make it faster</a:t>
+            </a:r>
+          </a:p>
+          <a:p>
+            <a:pPr marL="0" indent="0">
+              <a:buNone/>
+            </a:pPr>
+            <a:r>
+              <a:rPr lang="en-US" sz="2300" dirty="0">
+                <a:solidFill>
+                  <a:srgbClr val="FF0000"/>
+                </a:solidFill>
+                <a:latin typeface="Cascadia Code" panose="020B0609020000020004" pitchFamily="49" charset="0"/>
+                <a:cs typeface="Cascadia Code" panose="020B0609020000020004" pitchFamily="49" charset="0"/>
+              </a:rPr>
+              <a:t>        </a:t>
+            </a:r>
+            <a:r>
+              <a:rPr lang="en-US" sz="2300" dirty="0" err="1">
+                <a:solidFill>
+                  <a:srgbClr val="FF0000"/>
+                </a:solidFill>
+                <a:latin typeface="Cascadia Code" panose="020B0609020000020004" pitchFamily="49" charset="0"/>
+                <a:cs typeface="Cascadia Code" panose="020B0609020000020004" pitchFamily="49" charset="0"/>
+              </a:rPr>
+              <a:t>show_progress_bar</a:t>
+            </a:r>
+            <a:r>
+              <a:rPr lang="en-US" sz="2300" dirty="0">
+                <a:solidFill>
+                  <a:srgbClr val="FF0000"/>
+                </a:solidFill>
+                <a:latin typeface="Cascadia Code" panose="020B0609020000020004" pitchFamily="49" charset="0"/>
+                <a:cs typeface="Cascadia Code" panose="020B0609020000020004" pitchFamily="49" charset="0"/>
+              </a:rPr>
+              <a:t>=True # Display progress bar when doing the above</a:t>
+            </a:r>
+          </a:p>
+          <a:p>
+            <a:pPr marL="0" indent="0">
+              <a:buNone/>
+            </a:pPr>
+            <a:r>
+              <a:rPr lang="en-US" sz="2300" dirty="0">
+                <a:solidFill>
+                  <a:srgbClr val="FF0000"/>
+                </a:solidFill>
+                <a:latin typeface="Cascadia Code" panose="020B0609020000020004" pitchFamily="49" charset="0"/>
+                <a:cs typeface="Cascadia Code" panose="020B0609020000020004" pitchFamily="49" charset="0"/>
+              </a:rPr>
+              <a:t>    )</a:t>
+            </a:r>
+            <a:endParaRPr lang="en-US" dirty="0">
+              <a:solidFill>
+                <a:srgbClr val="FF0000"/>
+              </a:solidFill>
+              <a:latin typeface="Cascadia Code" panose="020B0609020000020004" pitchFamily="49" charset="0"/>
+              <a:cs typeface="Cascadia Code" panose="020B0609020000020004" pitchFamily="49" charset="0"/>
+            </a:endParaRPr>
+          </a:p>
+          <a:p>
+            <a:pPr marL="0" indent="0">
+              <a:buNone/>
+            </a:pPr>
+            <a:endParaRPr lang="en-US" dirty="0"/>
+          </a:p>
+          <a:p>
+            <a:r>
+              <a:rPr lang="en-US" dirty="0"/>
+              <a:t>Result: Each sentence will produce an embedding of 384 dimensions, so </a:t>
+            </a:r>
+            <a:r>
+              <a:rPr lang="en-US" dirty="0" err="1"/>
+              <a:t>utterance_embeddings</a:t>
+            </a:r>
+            <a:r>
+              <a:rPr lang="en-US" dirty="0"/>
+              <a:t> will be a </a:t>
+            </a:r>
+            <a:r>
+              <a:rPr lang="en-US" dirty="0" err="1"/>
+              <a:t>numpy</a:t>
+            </a:r>
+            <a:r>
+              <a:rPr lang="en-US" dirty="0"/>
+              <a:t> array of size 21,534 (Number of records) x 384</a:t>
+            </a:r>
+          </a:p>
+          <a:p>
+            <a:r>
+              <a:rPr lang="en-US" dirty="0"/>
+              <a:t>Files: .</a:t>
+            </a:r>
+            <a:r>
+              <a:rPr lang="en-US" dirty="0" err="1"/>
+              <a:t>npy</a:t>
+            </a:r>
+            <a:r>
+              <a:rPr lang="en-US" dirty="0"/>
+              <a:t> stores the embeddings, .</a:t>
+            </a:r>
+            <a:r>
+              <a:rPr lang="en-US" dirty="0" err="1"/>
+              <a:t>pkl</a:t>
+            </a:r>
+            <a:r>
+              <a:rPr lang="en-US" dirty="0"/>
+              <a:t> file contains the original data as dictionary: utterance -&gt; intent-&gt;categories (e.g. “I want a refund” -&gt; “</a:t>
+            </a:r>
+            <a:r>
+              <a:rPr lang="en-US" dirty="0" err="1"/>
+              <a:t>get_refund</a:t>
+            </a:r>
+            <a:r>
+              <a:rPr lang="en-US" dirty="0"/>
+              <a:t>” -&gt; “REFUNDS”)</a:t>
+            </a:r>
+            <a:endParaRPr lang="en-IN" dirty="0"/>
+          </a:p>
+        </p:txBody>
+      </p:sp>
+    </p:spTree>
+    <p:extLst>
+      <p:ext uri="{BB962C8B-B14F-4D97-AF65-F5344CB8AC3E}">
+        <p14:creationId xmlns:p14="http://schemas.microsoft.com/office/powerpoint/2010/main" val="825766007"/>
       </p:ext>
     </p:extLst>
   </p:cSld>
@@ -20952,7 +23524,7 @@
           <a:p>
             <a:r>
               <a:rPr lang="en-IN" dirty="0"/>
-              <a:t>Code: 2_1_openai_agent.py</a:t>
+              <a:t>Code: 2_1_openai_agent_basic.py</a:t>
             </a:r>
           </a:p>
         </p:txBody>
